--- a/Project.pptx
+++ b/Project.pptx
@@ -71,13 +71,13 @@
         </a:solidFill>
         <a:effectLst/>
         <a:uFillTx/>
-        <a:latin typeface="Franklin Gothic Book"/>
-        <a:ea typeface="Franklin Gothic Book"/>
-        <a:cs typeface="Franklin Gothic Book"/>
-        <a:sym typeface="Franklin Gothic Book"/>
+        <a:latin typeface="+mj-lt"/>
+        <a:ea typeface="+mj-ea"/>
+        <a:cs typeface="+mj-cs"/>
+        <a:sym typeface="Helvetica"/>
       </a:defRPr>
     </a:lvl1pPr>
-    <a:lvl2pPr marL="0" marR="0" indent="457200" algn="l" defTabSz="914400" rtl="0" fontAlgn="auto" latinLnBrk="0" hangingPunct="0">
+    <a:lvl2pPr marL="0" marR="0" indent="0" algn="l" defTabSz="914400" rtl="0" fontAlgn="auto" latinLnBrk="0" hangingPunct="0">
       <a:lnSpc>
         <a:spcPct val="100000"/>
       </a:lnSpc>
@@ -101,13 +101,13 @@
         </a:solidFill>
         <a:effectLst/>
         <a:uFillTx/>
-        <a:latin typeface="Franklin Gothic Book"/>
-        <a:ea typeface="Franklin Gothic Book"/>
-        <a:cs typeface="Franklin Gothic Book"/>
-        <a:sym typeface="Franklin Gothic Book"/>
+        <a:latin typeface="+mj-lt"/>
+        <a:ea typeface="+mj-ea"/>
+        <a:cs typeface="+mj-cs"/>
+        <a:sym typeface="Helvetica"/>
       </a:defRPr>
     </a:lvl2pPr>
-    <a:lvl3pPr marL="0" marR="0" indent="914400" algn="l" defTabSz="914400" rtl="0" fontAlgn="auto" latinLnBrk="0" hangingPunct="0">
+    <a:lvl3pPr marL="0" marR="0" indent="0" algn="l" defTabSz="914400" rtl="0" fontAlgn="auto" latinLnBrk="0" hangingPunct="0">
       <a:lnSpc>
         <a:spcPct val="100000"/>
       </a:lnSpc>
@@ -131,13 +131,13 @@
         </a:solidFill>
         <a:effectLst/>
         <a:uFillTx/>
-        <a:latin typeface="Franklin Gothic Book"/>
-        <a:ea typeface="Franklin Gothic Book"/>
-        <a:cs typeface="Franklin Gothic Book"/>
-        <a:sym typeface="Franklin Gothic Book"/>
+        <a:latin typeface="+mj-lt"/>
+        <a:ea typeface="+mj-ea"/>
+        <a:cs typeface="+mj-cs"/>
+        <a:sym typeface="Helvetica"/>
       </a:defRPr>
     </a:lvl3pPr>
-    <a:lvl4pPr marL="0" marR="0" indent="1371600" algn="l" defTabSz="914400" rtl="0" fontAlgn="auto" latinLnBrk="0" hangingPunct="0">
+    <a:lvl4pPr marL="0" marR="0" indent="0" algn="l" defTabSz="914400" rtl="0" fontAlgn="auto" latinLnBrk="0" hangingPunct="0">
       <a:lnSpc>
         <a:spcPct val="100000"/>
       </a:lnSpc>
@@ -161,13 +161,13 @@
         </a:solidFill>
         <a:effectLst/>
         <a:uFillTx/>
-        <a:latin typeface="Franklin Gothic Book"/>
-        <a:ea typeface="Franklin Gothic Book"/>
-        <a:cs typeface="Franklin Gothic Book"/>
-        <a:sym typeface="Franklin Gothic Book"/>
+        <a:latin typeface="+mj-lt"/>
+        <a:ea typeface="+mj-ea"/>
+        <a:cs typeface="+mj-cs"/>
+        <a:sym typeface="Helvetica"/>
       </a:defRPr>
     </a:lvl4pPr>
-    <a:lvl5pPr marL="0" marR="0" indent="1828800" algn="l" defTabSz="914400" rtl="0" fontAlgn="auto" latinLnBrk="0" hangingPunct="0">
+    <a:lvl5pPr marL="0" marR="0" indent="0" algn="l" defTabSz="914400" rtl="0" fontAlgn="auto" latinLnBrk="0" hangingPunct="0">
       <a:lnSpc>
         <a:spcPct val="100000"/>
       </a:lnSpc>
@@ -191,13 +191,13 @@
         </a:solidFill>
         <a:effectLst/>
         <a:uFillTx/>
-        <a:latin typeface="Franklin Gothic Book"/>
-        <a:ea typeface="Franklin Gothic Book"/>
-        <a:cs typeface="Franklin Gothic Book"/>
-        <a:sym typeface="Franklin Gothic Book"/>
+        <a:latin typeface="+mj-lt"/>
+        <a:ea typeface="+mj-ea"/>
+        <a:cs typeface="+mj-cs"/>
+        <a:sym typeface="Helvetica"/>
       </a:defRPr>
     </a:lvl5pPr>
-    <a:lvl6pPr marL="0" marR="0" indent="2286000" algn="l" defTabSz="914400" rtl="0" fontAlgn="auto" latinLnBrk="0" hangingPunct="0">
+    <a:lvl6pPr marL="0" marR="0" indent="0" algn="l" defTabSz="914400" rtl="0" fontAlgn="auto" latinLnBrk="0" hangingPunct="0">
       <a:lnSpc>
         <a:spcPct val="100000"/>
       </a:lnSpc>
@@ -221,13 +221,13 @@
         </a:solidFill>
         <a:effectLst/>
         <a:uFillTx/>
-        <a:latin typeface="Franklin Gothic Book"/>
-        <a:ea typeface="Franklin Gothic Book"/>
-        <a:cs typeface="Franklin Gothic Book"/>
-        <a:sym typeface="Franklin Gothic Book"/>
+        <a:latin typeface="+mj-lt"/>
+        <a:ea typeface="+mj-ea"/>
+        <a:cs typeface="+mj-cs"/>
+        <a:sym typeface="Helvetica"/>
       </a:defRPr>
     </a:lvl6pPr>
-    <a:lvl7pPr marL="0" marR="0" indent="2743200" algn="l" defTabSz="914400" rtl="0" fontAlgn="auto" latinLnBrk="0" hangingPunct="0">
+    <a:lvl7pPr marL="0" marR="0" indent="0" algn="l" defTabSz="914400" rtl="0" fontAlgn="auto" latinLnBrk="0" hangingPunct="0">
       <a:lnSpc>
         <a:spcPct val="100000"/>
       </a:lnSpc>
@@ -251,13 +251,13 @@
         </a:solidFill>
         <a:effectLst/>
         <a:uFillTx/>
-        <a:latin typeface="Franklin Gothic Book"/>
-        <a:ea typeface="Franklin Gothic Book"/>
-        <a:cs typeface="Franklin Gothic Book"/>
-        <a:sym typeface="Franklin Gothic Book"/>
+        <a:latin typeface="+mj-lt"/>
+        <a:ea typeface="+mj-ea"/>
+        <a:cs typeface="+mj-cs"/>
+        <a:sym typeface="Helvetica"/>
       </a:defRPr>
     </a:lvl7pPr>
-    <a:lvl8pPr marL="0" marR="0" indent="3200400" algn="l" defTabSz="914400" rtl="0" fontAlgn="auto" latinLnBrk="0" hangingPunct="0">
+    <a:lvl8pPr marL="0" marR="0" indent="0" algn="l" defTabSz="914400" rtl="0" fontAlgn="auto" latinLnBrk="0" hangingPunct="0">
       <a:lnSpc>
         <a:spcPct val="100000"/>
       </a:lnSpc>
@@ -281,13 +281,13 @@
         </a:solidFill>
         <a:effectLst/>
         <a:uFillTx/>
-        <a:latin typeface="Franklin Gothic Book"/>
-        <a:ea typeface="Franklin Gothic Book"/>
-        <a:cs typeface="Franklin Gothic Book"/>
-        <a:sym typeface="Franklin Gothic Book"/>
+        <a:latin typeface="+mj-lt"/>
+        <a:ea typeface="+mj-ea"/>
+        <a:cs typeface="+mj-cs"/>
+        <a:sym typeface="Helvetica"/>
       </a:defRPr>
     </a:lvl8pPr>
-    <a:lvl9pPr marL="0" marR="0" indent="3657600" algn="l" defTabSz="914400" rtl="0" fontAlgn="auto" latinLnBrk="0" hangingPunct="0">
+    <a:lvl9pPr marL="0" marR="0" indent="0" algn="l" defTabSz="914400" rtl="0" fontAlgn="auto" latinLnBrk="0" hangingPunct="0">
       <a:lnSpc>
         <a:spcPct val="100000"/>
       </a:lnSpc>
@@ -311,10 +311,10 @@
         </a:solidFill>
         <a:effectLst/>
         <a:uFillTx/>
-        <a:latin typeface="Franklin Gothic Book"/>
-        <a:ea typeface="Franklin Gothic Book"/>
-        <a:cs typeface="Franklin Gothic Book"/>
-        <a:sym typeface="Franklin Gothic Book"/>
+        <a:latin typeface="+mj-lt"/>
+        <a:ea typeface="+mj-ea"/>
+        <a:cs typeface="+mj-cs"/>
+        <a:sym typeface="Helvetica"/>
       </a:defRPr>
     </a:lvl9pPr>
   </p:defaultTextStyle>
@@ -344,7 +344,7 @@
       </p:grpSpPr>
       <p:sp>
         <p:nvSpPr>
-          <p:cNvPr id="122" name="Shape 122"/>
+          <p:cNvPr id="126" name="Shape 126"/>
           <p:cNvSpPr/>
           <p:nvPr>
             <p:ph type="sldImg"/>
@@ -369,7 +369,7 @@
       </p:sp>
       <p:sp>
         <p:nvSpPr>
-          <p:cNvPr id="123" name="Shape 123"/>
+          <p:cNvPr id="127" name="Shape 127"/>
           <p:cNvSpPr/>
           <p:nvPr>
             <p:ph type="body" sz="quarter" idx="1"/>
@@ -398,73 +398,73 @@
   <p:notesStyle>
     <a:lvl1pPr latinLnBrk="0">
       <a:defRPr sz="1200">
-        <a:latin typeface="+mj-lt"/>
-        <a:ea typeface="+mj-ea"/>
-        <a:cs typeface="+mj-cs"/>
+        <a:latin typeface="+mn-lt"/>
+        <a:ea typeface="+mn-ea"/>
+        <a:cs typeface="+mn-cs"/>
         <a:sym typeface="Calibri"/>
       </a:defRPr>
     </a:lvl1pPr>
     <a:lvl2pPr indent="228600" latinLnBrk="0">
       <a:defRPr sz="1200">
-        <a:latin typeface="+mj-lt"/>
-        <a:ea typeface="+mj-ea"/>
-        <a:cs typeface="+mj-cs"/>
+        <a:latin typeface="+mn-lt"/>
+        <a:ea typeface="+mn-ea"/>
+        <a:cs typeface="+mn-cs"/>
         <a:sym typeface="Calibri"/>
       </a:defRPr>
     </a:lvl2pPr>
     <a:lvl3pPr indent="457200" latinLnBrk="0">
       <a:defRPr sz="1200">
-        <a:latin typeface="+mj-lt"/>
-        <a:ea typeface="+mj-ea"/>
-        <a:cs typeface="+mj-cs"/>
+        <a:latin typeface="+mn-lt"/>
+        <a:ea typeface="+mn-ea"/>
+        <a:cs typeface="+mn-cs"/>
         <a:sym typeface="Calibri"/>
       </a:defRPr>
     </a:lvl3pPr>
     <a:lvl4pPr indent="685800" latinLnBrk="0">
       <a:defRPr sz="1200">
-        <a:latin typeface="+mj-lt"/>
-        <a:ea typeface="+mj-ea"/>
-        <a:cs typeface="+mj-cs"/>
+        <a:latin typeface="+mn-lt"/>
+        <a:ea typeface="+mn-ea"/>
+        <a:cs typeface="+mn-cs"/>
         <a:sym typeface="Calibri"/>
       </a:defRPr>
     </a:lvl4pPr>
     <a:lvl5pPr indent="914400" latinLnBrk="0">
       <a:defRPr sz="1200">
-        <a:latin typeface="+mj-lt"/>
-        <a:ea typeface="+mj-ea"/>
-        <a:cs typeface="+mj-cs"/>
+        <a:latin typeface="+mn-lt"/>
+        <a:ea typeface="+mn-ea"/>
+        <a:cs typeface="+mn-cs"/>
         <a:sym typeface="Calibri"/>
       </a:defRPr>
     </a:lvl5pPr>
     <a:lvl6pPr indent="1143000" latinLnBrk="0">
       <a:defRPr sz="1200">
-        <a:latin typeface="+mj-lt"/>
-        <a:ea typeface="+mj-ea"/>
-        <a:cs typeface="+mj-cs"/>
+        <a:latin typeface="+mn-lt"/>
+        <a:ea typeface="+mn-ea"/>
+        <a:cs typeface="+mn-cs"/>
         <a:sym typeface="Calibri"/>
       </a:defRPr>
     </a:lvl6pPr>
     <a:lvl7pPr indent="1371600" latinLnBrk="0">
       <a:defRPr sz="1200">
-        <a:latin typeface="+mj-lt"/>
-        <a:ea typeface="+mj-ea"/>
-        <a:cs typeface="+mj-cs"/>
+        <a:latin typeface="+mn-lt"/>
+        <a:ea typeface="+mn-ea"/>
+        <a:cs typeface="+mn-cs"/>
         <a:sym typeface="Calibri"/>
       </a:defRPr>
     </a:lvl7pPr>
     <a:lvl8pPr indent="1600200" latinLnBrk="0">
       <a:defRPr sz="1200">
-        <a:latin typeface="+mj-lt"/>
-        <a:ea typeface="+mj-ea"/>
-        <a:cs typeface="+mj-cs"/>
+        <a:latin typeface="+mn-lt"/>
+        <a:ea typeface="+mn-ea"/>
+        <a:cs typeface="+mn-cs"/>
         <a:sym typeface="Calibri"/>
       </a:defRPr>
     </a:lvl8pPr>
     <a:lvl9pPr indent="1828800" latinLnBrk="0">
       <a:defRPr sz="1200">
-        <a:latin typeface="+mj-lt"/>
-        <a:ea typeface="+mj-ea"/>
-        <a:cs typeface="+mj-cs"/>
+        <a:latin typeface="+mn-lt"/>
+        <a:ea typeface="+mn-ea"/>
+        <a:cs typeface="+mn-cs"/>
         <a:sym typeface="Calibri"/>
       </a:defRPr>
     </a:lvl9pPr>
@@ -497,8 +497,8 @@
         </p:nvSpPr>
         <p:spPr>
           <a:xfrm>
-            <a:off x="446533" y="3085763"/>
-            <a:ext cx="11298933" cy="3338150"/>
+            <a:off x="446533" y="3085762"/>
+            <a:ext cx="11298933" cy="3338152"/>
           </a:xfrm>
           <a:prstGeom prst="rect">
             <a:avLst/>
@@ -511,10 +511,17 @@
           </a:ln>
         </p:spPr>
         <p:txBody>
-          <a:bodyPr lIns="45719" rIns="45719"/>
+          <a:bodyPr lIns="45718" tIns="45718" rIns="45718" bIns="45718"/>
           <a:lstStyle/>
           <a:p>
-            <a:pPr/>
+            <a:pPr>
+              <a:defRPr>
+                <a:latin typeface="Franklin Gothic Book"/>
+                <a:ea typeface="Franklin Gothic Book"/>
+                <a:cs typeface="Franklin Gothic Book"/>
+                <a:sym typeface="Franklin Gothic Book"/>
+              </a:defRPr>
+            </a:pPr>
           </a:p>
         </p:txBody>
       </p:sp>
@@ -560,8 +567,8 @@
         </p:nvSpPr>
         <p:spPr>
           <a:xfrm>
-            <a:off x="581193" y="2495444"/>
-            <a:ext cx="10993548" cy="590322"/>
+            <a:off x="581193" y="2495443"/>
+            <a:ext cx="10993549" cy="590324"/>
           </a:xfrm>
           <a:prstGeom prst="rect">
             <a:avLst/>
@@ -580,7 +587,7 @@
                 </a:solidFill>
               </a:defRPr>
             </a:lvl1pPr>
-            <a:lvl2pPr marL="0" indent="457200">
+            <a:lvl2pPr marL="0" indent="0">
               <a:buClrTx/>
               <a:buSzTx/>
               <a:buNone/>
@@ -590,7 +597,7 @@
                 </a:solidFill>
               </a:defRPr>
             </a:lvl2pPr>
-            <a:lvl3pPr marL="0" indent="914400">
+            <a:lvl3pPr marL="0" indent="0">
               <a:buClrTx/>
               <a:buSzTx/>
               <a:buNone/>
@@ -600,7 +607,7 @@
                 </a:solidFill>
               </a:defRPr>
             </a:lvl3pPr>
-            <a:lvl4pPr marL="0" indent="1371600">
+            <a:lvl4pPr marL="0" indent="0">
               <a:buClrTx/>
               <a:buSzTx/>
               <a:buNone/>
@@ -610,7 +617,7 @@
                 </a:solidFill>
               </a:defRPr>
             </a:lvl4pPr>
-            <a:lvl5pPr marL="0" indent="1828800">
+            <a:lvl5pPr marL="0" indent="0">
               <a:buClrTx/>
               <a:buSzTx/>
               <a:buNone/>
@@ -663,8 +670,8 @@
         </p:nvSpPr>
         <p:spPr>
           <a:xfrm>
-            <a:off x="11379568" y="6492506"/>
-            <a:ext cx="231242" cy="227941"/>
+            <a:off x="11379570" y="6492507"/>
+            <a:ext cx="231241" cy="227939"/>
           </a:xfrm>
           <a:prstGeom prst="rect">
             <a:avLst/>
@@ -834,7 +841,7 @@
         <p:spPr>
           <a:xfrm>
             <a:off x="446533" y="457200"/>
-            <a:ext cx="3703322" cy="94997"/>
+            <a:ext cx="3703323" cy="94997"/>
           </a:xfrm>
           <a:prstGeom prst="rect">
             <a:avLst/>
@@ -847,10 +854,17 @@
           </a:ln>
         </p:spPr>
         <p:txBody>
-          <a:bodyPr lIns="45719" rIns="45719"/>
+          <a:bodyPr lIns="45718" tIns="45718" rIns="45718" bIns="45718"/>
           <a:lstStyle/>
           <a:p>
-            <a:pPr/>
+            <a:pPr>
+              <a:defRPr>
+                <a:latin typeface="Franklin Gothic Book"/>
+                <a:ea typeface="Franklin Gothic Book"/>
+                <a:cs typeface="Franklin Gothic Book"/>
+                <a:sym typeface="Franklin Gothic Book"/>
+              </a:defRPr>
+            </a:pPr>
           </a:p>
         </p:txBody>
       </p:sp>
@@ -862,8 +876,8 @@
         </p:nvSpPr>
         <p:spPr>
           <a:xfrm>
-            <a:off x="8042147" y="453642"/>
-            <a:ext cx="3703321" cy="98555"/>
+            <a:off x="8042147" y="453641"/>
+            <a:ext cx="3703321" cy="98556"/>
           </a:xfrm>
           <a:prstGeom prst="rect">
             <a:avLst/>
@@ -876,10 +890,17 @@
           </a:ln>
         </p:spPr>
         <p:txBody>
-          <a:bodyPr lIns="45719" rIns="45719"/>
+          <a:bodyPr lIns="45718" tIns="45718" rIns="45718" bIns="45718"/>
           <a:lstStyle/>
           <a:p>
-            <a:pPr/>
+            <a:pPr>
+              <a:defRPr>
+                <a:latin typeface="Franklin Gothic Book"/>
+                <a:ea typeface="Franklin Gothic Book"/>
+                <a:cs typeface="Franklin Gothic Book"/>
+                <a:sym typeface="Franklin Gothic Book"/>
+              </a:defRPr>
+            </a:pPr>
           </a:p>
         </p:txBody>
       </p:sp>
@@ -891,8 +912,8 @@
         </p:nvSpPr>
         <p:spPr>
           <a:xfrm>
-            <a:off x="4241829" y="457199"/>
-            <a:ext cx="3703321" cy="91442"/>
+            <a:off x="4241829" y="457198"/>
+            <a:ext cx="3703321" cy="91443"/>
           </a:xfrm>
           <a:prstGeom prst="rect">
             <a:avLst/>
@@ -905,10 +926,17 @@
           </a:ln>
         </p:spPr>
         <p:txBody>
-          <a:bodyPr lIns="45719" rIns="45719"/>
+          <a:bodyPr lIns="45718" tIns="45718" rIns="45718" bIns="45718"/>
           <a:lstStyle/>
           <a:p>
-            <a:pPr/>
+            <a:pPr>
+              <a:defRPr>
+                <a:latin typeface="Franklin Gothic Book"/>
+                <a:ea typeface="Franklin Gothic Book"/>
+                <a:cs typeface="Franklin Gothic Book"/>
+                <a:sym typeface="Franklin Gothic Book"/>
+              </a:defRPr>
+            </a:pPr>
           </a:p>
         </p:txBody>
       </p:sp>
@@ -930,8 +958,8 @@
         </p:blipFill>
         <p:spPr>
           <a:xfrm>
-            <a:off x="10485002" y="6437910"/>
-            <a:ext cx="1125806" cy="365127"/>
+            <a:off x="10485001" y="6437910"/>
+            <a:ext cx="1125807" cy="365128"/>
           </a:xfrm>
           <a:prstGeom prst="rect">
             <a:avLst/>
@@ -949,8 +977,8 @@
         </p:nvSpPr>
         <p:spPr>
           <a:xfrm>
-            <a:off x="447816" y="5141974"/>
-            <a:ext cx="11290862" cy="1258828"/>
+            <a:off x="447815" y="5141974"/>
+            <a:ext cx="11290863" cy="1258829"/>
           </a:xfrm>
           <a:prstGeom prst="rect">
             <a:avLst/>
@@ -963,10 +991,17 @@
           </a:ln>
         </p:spPr>
         <p:txBody>
-          <a:bodyPr lIns="45719" rIns="45719"/>
+          <a:bodyPr lIns="45718" tIns="45718" rIns="45718" bIns="45718"/>
           <a:lstStyle/>
           <a:p>
-            <a:pPr/>
+            <a:pPr>
+              <a:defRPr>
+                <a:latin typeface="Franklin Gothic Book"/>
+                <a:ea typeface="Franklin Gothic Book"/>
+                <a:cs typeface="Franklin Gothic Book"/>
+                <a:sym typeface="Franklin Gothic Book"/>
+              </a:defRPr>
+            </a:pPr>
           </a:p>
         </p:txBody>
       </p:sp>
@@ -1012,8 +1047,8 @@
         </p:nvSpPr>
         <p:spPr>
           <a:xfrm>
-            <a:off x="581191" y="4541416"/>
-            <a:ext cx="11029617" cy="600557"/>
+            <a:off x="581190" y="4541415"/>
+            <a:ext cx="11029618" cy="600558"/>
           </a:xfrm>
           <a:prstGeom prst="rect">
             <a:avLst/>
@@ -1032,7 +1067,7 @@
                 </a:solidFill>
               </a:defRPr>
             </a:lvl1pPr>
-            <a:lvl2pPr marL="0" indent="457200">
+            <a:lvl2pPr marL="0" indent="0">
               <a:buClrTx/>
               <a:buSzTx/>
               <a:buNone/>
@@ -1042,7 +1077,7 @@
                 </a:solidFill>
               </a:defRPr>
             </a:lvl2pPr>
-            <a:lvl3pPr marL="0" indent="914400">
+            <a:lvl3pPr marL="0" indent="0">
               <a:buClrTx/>
               <a:buSzTx/>
               <a:buNone/>
@@ -1052,7 +1087,7 @@
                 </a:solidFill>
               </a:defRPr>
             </a:lvl3pPr>
-            <a:lvl4pPr marL="0" indent="1371600">
+            <a:lvl4pPr marL="0" indent="0">
               <a:buClrTx/>
               <a:buSzTx/>
               <a:buNone/>
@@ -1062,7 +1097,7 @@
                 </a:solidFill>
               </a:defRPr>
             </a:lvl4pPr>
-            <a:lvl5pPr marL="0" indent="1828800">
+            <a:lvl5pPr marL="0" indent="0">
               <a:buClrTx/>
               <a:buSzTx/>
               <a:buNone/>
@@ -1115,8 +1150,8 @@
         </p:nvSpPr>
         <p:spPr>
           <a:xfrm>
-            <a:off x="11379568" y="6492506"/>
-            <a:ext cx="231242" cy="227941"/>
+            <a:off x="11379570" y="6492507"/>
+            <a:ext cx="231241" cy="227939"/>
           </a:xfrm>
           <a:prstGeom prst="rect">
             <a:avLst/>
@@ -1166,7 +1201,7 @@
         <p:spPr>
           <a:xfrm>
             <a:off x="446533" y="457200"/>
-            <a:ext cx="3703322" cy="94997"/>
+            <a:ext cx="3703323" cy="94997"/>
           </a:xfrm>
           <a:prstGeom prst="rect">
             <a:avLst/>
@@ -1179,10 +1214,17 @@
           </a:ln>
         </p:spPr>
         <p:txBody>
-          <a:bodyPr lIns="45719" rIns="45719"/>
+          <a:bodyPr lIns="45718" tIns="45718" rIns="45718" bIns="45718"/>
           <a:lstStyle/>
           <a:p>
-            <a:pPr/>
+            <a:pPr>
+              <a:defRPr>
+                <a:latin typeface="Franklin Gothic Book"/>
+                <a:ea typeface="Franklin Gothic Book"/>
+                <a:cs typeface="Franklin Gothic Book"/>
+                <a:sym typeface="Franklin Gothic Book"/>
+              </a:defRPr>
+            </a:pPr>
           </a:p>
         </p:txBody>
       </p:sp>
@@ -1194,8 +1236,8 @@
         </p:nvSpPr>
         <p:spPr>
           <a:xfrm>
-            <a:off x="8042147" y="453642"/>
-            <a:ext cx="3703321" cy="98555"/>
+            <a:off x="8042147" y="453641"/>
+            <a:ext cx="3703321" cy="98556"/>
           </a:xfrm>
           <a:prstGeom prst="rect">
             <a:avLst/>
@@ -1208,10 +1250,17 @@
           </a:ln>
         </p:spPr>
         <p:txBody>
-          <a:bodyPr lIns="45719" rIns="45719"/>
+          <a:bodyPr lIns="45718" tIns="45718" rIns="45718" bIns="45718"/>
           <a:lstStyle/>
           <a:p>
-            <a:pPr/>
+            <a:pPr>
+              <a:defRPr>
+                <a:latin typeface="Franklin Gothic Book"/>
+                <a:ea typeface="Franklin Gothic Book"/>
+                <a:cs typeface="Franklin Gothic Book"/>
+                <a:sym typeface="Franklin Gothic Book"/>
+              </a:defRPr>
+            </a:pPr>
           </a:p>
         </p:txBody>
       </p:sp>
@@ -1223,8 +1272,8 @@
         </p:nvSpPr>
         <p:spPr>
           <a:xfrm>
-            <a:off x="4241829" y="457199"/>
-            <a:ext cx="3703321" cy="91442"/>
+            <a:off x="4241829" y="457198"/>
+            <a:ext cx="3703321" cy="91443"/>
           </a:xfrm>
           <a:prstGeom prst="rect">
             <a:avLst/>
@@ -1237,10 +1286,17 @@
           </a:ln>
         </p:spPr>
         <p:txBody>
-          <a:bodyPr lIns="45719" rIns="45719"/>
+          <a:bodyPr lIns="45718" tIns="45718" rIns="45718" bIns="45718"/>
           <a:lstStyle/>
           <a:p>
-            <a:pPr/>
+            <a:pPr>
+              <a:defRPr>
+                <a:latin typeface="Franklin Gothic Book"/>
+                <a:ea typeface="Franklin Gothic Book"/>
+                <a:cs typeface="Franklin Gothic Book"/>
+                <a:sym typeface="Franklin Gothic Book"/>
+              </a:defRPr>
+            </a:pPr>
           </a:p>
         </p:txBody>
       </p:sp>
@@ -1262,8 +1318,8 @@
         </p:blipFill>
         <p:spPr>
           <a:xfrm>
-            <a:off x="10485002" y="6437910"/>
-            <a:ext cx="1125806" cy="365127"/>
+            <a:off x="10485001" y="6437910"/>
+            <a:ext cx="1125807" cy="365128"/>
           </a:xfrm>
           <a:prstGeom prst="rect">
             <a:avLst/>
@@ -1284,7 +1340,7 @@
         <p:spPr>
           <a:xfrm>
             <a:off x="581193" y="729657"/>
-            <a:ext cx="11029616" cy="492856"/>
+            <a:ext cx="11029616" cy="492857"/>
           </a:xfrm>
           <a:prstGeom prst="rect">
             <a:avLst/>
@@ -1312,7 +1368,7 @@
         <p:spPr>
           <a:xfrm>
             <a:off x="581193" y="1391479"/>
-            <a:ext cx="5194768" cy="4469573"/>
+            <a:ext cx="5194769" cy="4469573"/>
           </a:xfrm>
           <a:prstGeom prst="rect">
             <a:avLst/>
@@ -1363,8 +1419,8 @@
         </p:nvSpPr>
         <p:spPr>
           <a:xfrm>
-            <a:off x="11379568" y="6492506"/>
-            <a:ext cx="231242" cy="227941"/>
+            <a:off x="11379570" y="6492507"/>
+            <a:ext cx="231241" cy="227939"/>
           </a:xfrm>
           <a:prstGeom prst="rect">
             <a:avLst/>
@@ -1414,7 +1470,7 @@
         <p:spPr>
           <a:xfrm>
             <a:off x="446533" y="457200"/>
-            <a:ext cx="3703322" cy="94997"/>
+            <a:ext cx="3703323" cy="94997"/>
           </a:xfrm>
           <a:prstGeom prst="rect">
             <a:avLst/>
@@ -1427,10 +1483,17 @@
           </a:ln>
         </p:spPr>
         <p:txBody>
-          <a:bodyPr lIns="45719" rIns="45719"/>
+          <a:bodyPr lIns="45718" tIns="45718" rIns="45718" bIns="45718"/>
           <a:lstStyle/>
           <a:p>
-            <a:pPr/>
+            <a:pPr>
+              <a:defRPr>
+                <a:latin typeface="Franklin Gothic Book"/>
+                <a:ea typeface="Franklin Gothic Book"/>
+                <a:cs typeface="Franklin Gothic Book"/>
+                <a:sym typeface="Franklin Gothic Book"/>
+              </a:defRPr>
+            </a:pPr>
           </a:p>
         </p:txBody>
       </p:sp>
@@ -1442,8 +1505,8 @@
         </p:nvSpPr>
         <p:spPr>
           <a:xfrm>
-            <a:off x="8042147" y="453642"/>
-            <a:ext cx="3703321" cy="98555"/>
+            <a:off x="8042147" y="453641"/>
+            <a:ext cx="3703321" cy="98556"/>
           </a:xfrm>
           <a:prstGeom prst="rect">
             <a:avLst/>
@@ -1456,10 +1519,17 @@
           </a:ln>
         </p:spPr>
         <p:txBody>
-          <a:bodyPr lIns="45719" rIns="45719"/>
+          <a:bodyPr lIns="45718" tIns="45718" rIns="45718" bIns="45718"/>
           <a:lstStyle/>
           <a:p>
-            <a:pPr/>
+            <a:pPr>
+              <a:defRPr>
+                <a:latin typeface="Franklin Gothic Book"/>
+                <a:ea typeface="Franklin Gothic Book"/>
+                <a:cs typeface="Franklin Gothic Book"/>
+                <a:sym typeface="Franklin Gothic Book"/>
+              </a:defRPr>
+            </a:pPr>
           </a:p>
         </p:txBody>
       </p:sp>
@@ -1471,8 +1541,8 @@
         </p:nvSpPr>
         <p:spPr>
           <a:xfrm>
-            <a:off x="4241829" y="457199"/>
-            <a:ext cx="3703321" cy="91442"/>
+            <a:off x="4241829" y="457198"/>
+            <a:ext cx="3703321" cy="91443"/>
           </a:xfrm>
           <a:prstGeom prst="rect">
             <a:avLst/>
@@ -1485,10 +1555,17 @@
           </a:ln>
         </p:spPr>
         <p:txBody>
-          <a:bodyPr lIns="45719" rIns="45719"/>
+          <a:bodyPr lIns="45718" tIns="45718" rIns="45718" bIns="45718"/>
           <a:lstStyle/>
           <a:p>
-            <a:pPr/>
+            <a:pPr>
+              <a:defRPr>
+                <a:latin typeface="Franklin Gothic Book"/>
+                <a:ea typeface="Franklin Gothic Book"/>
+                <a:cs typeface="Franklin Gothic Book"/>
+                <a:sym typeface="Franklin Gothic Book"/>
+              </a:defRPr>
+            </a:pPr>
           </a:p>
         </p:txBody>
       </p:sp>
@@ -1510,8 +1587,8 @@
         </p:blipFill>
         <p:spPr>
           <a:xfrm>
-            <a:off x="10485002" y="6437910"/>
-            <a:ext cx="1125806" cy="365127"/>
+            <a:off x="10485001" y="6437910"/>
+            <a:ext cx="1125807" cy="365128"/>
           </a:xfrm>
           <a:prstGeom prst="rect">
             <a:avLst/>
@@ -1560,7 +1637,7 @@
         <p:spPr>
           <a:xfrm>
             <a:off x="581190" y="2250891"/>
-            <a:ext cx="5194770" cy="557785"/>
+            <a:ext cx="5194771" cy="557786"/>
           </a:xfrm>
           <a:prstGeom prst="rect">
             <a:avLst/>
@@ -1575,25 +1652,25 @@
               <a:buNone/>
               <a:defRPr sz="2000"/>
             </a:lvl1pPr>
-            <a:lvl2pPr marL="0" indent="457200">
+            <a:lvl2pPr marL="0" indent="0">
               <a:buClrTx/>
               <a:buSzTx/>
               <a:buNone/>
               <a:defRPr sz="2000"/>
             </a:lvl2pPr>
-            <a:lvl3pPr marL="0" indent="914400">
+            <a:lvl3pPr marL="0" indent="0">
               <a:buClrTx/>
               <a:buSzTx/>
               <a:buNone/>
               <a:defRPr sz="2000"/>
             </a:lvl3pPr>
-            <a:lvl4pPr marL="0" indent="1371600">
+            <a:lvl4pPr marL="0" indent="0">
               <a:buClrTx/>
               <a:buSzTx/>
               <a:buNone/>
               <a:defRPr sz="2000"/>
             </a:lvl4pPr>
-            <a:lvl5pPr marL="0" indent="1828800">
+            <a:lvl5pPr marL="0" indent="0">
               <a:buClrTx/>
               <a:buSzTx/>
               <a:buNone/>
@@ -1642,8 +1719,8 @@
         </p:nvSpPr>
         <p:spPr>
           <a:xfrm>
-            <a:off x="6416038" y="2250892"/>
-            <a:ext cx="5194772" cy="553374"/>
+            <a:off x="6416037" y="2250892"/>
+            <a:ext cx="5194773" cy="553375"/>
           </a:xfrm>
           <a:prstGeom prst="rect">
             <a:avLst/>
@@ -1653,15 +1730,7 @@
           <a:bodyPr/>
           <a:lstStyle/>
           <a:p>
-            <a:pPr marL="0" indent="0">
-              <a:lnSpc>
-                <a:spcPct val="100000"/>
-              </a:lnSpc>
-              <a:buClrTx/>
-              <a:buSzTx/>
-              <a:buNone/>
-              <a:defRPr sz="2000"/>
-            </a:pPr>
+            <a:pPr/>
           </a:p>
         </p:txBody>
       </p:sp>
@@ -1675,8 +1744,8 @@
         </p:nvSpPr>
         <p:spPr>
           <a:xfrm>
-            <a:off x="11379568" y="6492506"/>
-            <a:ext cx="231242" cy="227941"/>
+            <a:off x="11379570" y="6492507"/>
+            <a:ext cx="231241" cy="227939"/>
           </a:xfrm>
           <a:prstGeom prst="rect">
             <a:avLst/>
@@ -1701,7 +1770,7 @@
 </file>
 
 <file path=ppt/slideLayouts/slideLayout6.xml><?xml version="1.0" encoding="utf-8"?>
-<p:sldLayout xmlns:a="http://schemas.openxmlformats.org/drawingml/2006/main" xmlns:r="http://schemas.openxmlformats.org/officeDocument/2006/relationships" xmlns:p="http://schemas.openxmlformats.org/presentationml/2006/main" xmlns:m="http://schemas.openxmlformats.org/officeDocument/2006/math" xmlns:a14="http://schemas.microsoft.com/office/drawing/2010/main" type="tx" showMasterSp="1" showMasterPhAnim="1">
+<p:sldLayout xmlns:a="http://schemas.openxmlformats.org/drawingml/2006/main" xmlns:r="http://schemas.openxmlformats.org/officeDocument/2006/relationships" xmlns:p="http://schemas.openxmlformats.org/presentationml/2006/main" xmlns:m="http://schemas.openxmlformats.org/officeDocument/2006/math" xmlns:a14="http://schemas.microsoft.com/office/drawing/2010/main" type="tx" showMasterSp="0" showMasterPhAnim="1">
   <p:cSld name="Title Only">
     <p:spTree>
       <p:nvGrpSpPr>
@@ -1719,7 +1788,144 @@
       </p:grpSpPr>
       <p:sp>
         <p:nvSpPr>
-          <p:cNvPr id="75" name="Title Text"/>
+          <p:cNvPr id="75" name="Rectangle 8"/>
+          <p:cNvSpPr/>
+          <p:nvPr/>
+        </p:nvSpPr>
+        <p:spPr>
+          <a:xfrm>
+            <a:off x="446533" y="457200"/>
+            <a:ext cx="3703323" cy="94997"/>
+          </a:xfrm>
+          <a:prstGeom prst="rect">
+            <a:avLst/>
+          </a:prstGeom>
+          <a:solidFill>
+            <a:srgbClr val="465359"/>
+          </a:solidFill>
+          <a:ln w="12700">
+            <a:miter lim="400000"/>
+          </a:ln>
+        </p:spPr>
+        <p:txBody>
+          <a:bodyPr lIns="45718" tIns="45718" rIns="45718" bIns="45718"/>
+          <a:lstStyle/>
+          <a:p>
+            <a:pPr>
+              <a:defRPr>
+                <a:latin typeface="Franklin Gothic Book"/>
+                <a:ea typeface="Franklin Gothic Book"/>
+                <a:cs typeface="Franklin Gothic Book"/>
+                <a:sym typeface="Franklin Gothic Book"/>
+              </a:defRPr>
+            </a:pPr>
+          </a:p>
+        </p:txBody>
+      </p:sp>
+      <p:sp>
+        <p:nvSpPr>
+          <p:cNvPr id="76" name="Rectangle 9"/>
+          <p:cNvSpPr/>
+          <p:nvPr/>
+        </p:nvSpPr>
+        <p:spPr>
+          <a:xfrm>
+            <a:off x="8042147" y="453641"/>
+            <a:ext cx="3703321" cy="98556"/>
+          </a:xfrm>
+          <a:prstGeom prst="rect">
+            <a:avLst/>
+          </a:prstGeom>
+          <a:solidFill>
+            <a:srgbClr val="969FA7"/>
+          </a:solidFill>
+          <a:ln w="12700">
+            <a:miter lim="400000"/>
+          </a:ln>
+        </p:spPr>
+        <p:txBody>
+          <a:bodyPr lIns="45718" tIns="45718" rIns="45718" bIns="45718"/>
+          <a:lstStyle/>
+          <a:p>
+            <a:pPr>
+              <a:defRPr>
+                <a:latin typeface="Franklin Gothic Book"/>
+                <a:ea typeface="Franklin Gothic Book"/>
+                <a:cs typeface="Franklin Gothic Book"/>
+                <a:sym typeface="Franklin Gothic Book"/>
+              </a:defRPr>
+            </a:pPr>
+          </a:p>
+        </p:txBody>
+      </p:sp>
+      <p:sp>
+        <p:nvSpPr>
+          <p:cNvPr id="77" name="Rectangle 10"/>
+          <p:cNvSpPr/>
+          <p:nvPr/>
+        </p:nvSpPr>
+        <p:spPr>
+          <a:xfrm>
+            <a:off x="4241829" y="457198"/>
+            <a:ext cx="3703321" cy="91443"/>
+          </a:xfrm>
+          <a:prstGeom prst="rect">
+            <a:avLst/>
+          </a:prstGeom>
+          <a:solidFill>
+            <a:schemeClr val="accent1"/>
+          </a:solidFill>
+          <a:ln w="12700">
+            <a:miter lim="400000"/>
+          </a:ln>
+        </p:spPr>
+        <p:txBody>
+          <a:bodyPr lIns="45718" tIns="45718" rIns="45718" bIns="45718"/>
+          <a:lstStyle/>
+          <a:p>
+            <a:pPr>
+              <a:defRPr>
+                <a:latin typeface="Franklin Gothic Book"/>
+                <a:ea typeface="Franklin Gothic Book"/>
+                <a:cs typeface="Franklin Gothic Book"/>
+                <a:sym typeface="Franklin Gothic Book"/>
+              </a:defRPr>
+            </a:pPr>
+          </a:p>
+        </p:txBody>
+      </p:sp>
+      <p:pic>
+        <p:nvPicPr>
+          <p:cNvPr id="78" name="Picture 7" descr="Picture 7"/>
+          <p:cNvPicPr>
+            <a:picLocks noChangeAspect="1"/>
+          </p:cNvPicPr>
+          <p:nvPr/>
+        </p:nvPicPr>
+        <p:blipFill>
+          <a:blip r:embed="rId2">
+            <a:extLst/>
+          </a:blip>
+          <a:stretch>
+            <a:fillRect/>
+          </a:stretch>
+        </p:blipFill>
+        <p:spPr>
+          <a:xfrm>
+            <a:off x="10485001" y="6437910"/>
+            <a:ext cx="1125807" cy="365128"/>
+          </a:xfrm>
+          <a:prstGeom prst="rect">
+            <a:avLst/>
+          </a:prstGeom>
+          <a:ln w="12700">
+            <a:miter lim="400000"/>
+          </a:ln>
+        </p:spPr>
+      </p:pic>
+      <p:sp>
+        <p:nvSpPr>
+          <p:cNvPr id="79" name="Title Text"/>
           <p:cNvSpPr txBox="1"/>
           <p:nvPr>
             <p:ph type="title"/>
@@ -1728,7 +1934,7 @@
         <p:spPr>
           <a:xfrm>
             <a:off x="575894" y="729657"/>
-            <a:ext cx="11029616" cy="592248"/>
+            <a:ext cx="11029616" cy="592249"/>
           </a:xfrm>
           <a:prstGeom prst="rect">
             <a:avLst/>
@@ -1747,7 +1953,7 @@
       </p:sp>
       <p:sp>
         <p:nvSpPr>
-          <p:cNvPr id="76" name="Slide Number"/>
+          <p:cNvPr id="80" name="Slide Number"/>
           <p:cNvSpPr txBox="1"/>
           <p:nvPr>
             <p:ph type="sldNum" sz="quarter" idx="2"/>
@@ -1755,8 +1961,8 @@
         </p:nvSpPr>
         <p:spPr>
           <a:xfrm>
-            <a:off x="11379568" y="6492506"/>
-            <a:ext cx="231242" cy="227941"/>
+            <a:off x="11379570" y="6492507"/>
+            <a:ext cx="231241" cy="227939"/>
           </a:xfrm>
           <a:prstGeom prst="rect">
             <a:avLst/>
@@ -1799,14 +2005,14 @@
       </p:grpSpPr>
       <p:sp>
         <p:nvSpPr>
-          <p:cNvPr id="83" name="Rectangle 8"/>
+          <p:cNvPr id="87" name="Rectangle 8"/>
           <p:cNvSpPr/>
           <p:nvPr/>
         </p:nvSpPr>
         <p:spPr>
           <a:xfrm>
             <a:off x="446533" y="457200"/>
-            <a:ext cx="3703322" cy="94997"/>
+            <a:ext cx="3703323" cy="94997"/>
           </a:xfrm>
           <a:prstGeom prst="rect">
             <a:avLst/>
@@ -1819,23 +2025,30 @@
           </a:ln>
         </p:spPr>
         <p:txBody>
-          <a:bodyPr lIns="45719" rIns="45719"/>
+          <a:bodyPr lIns="45718" tIns="45718" rIns="45718" bIns="45718"/>
           <a:lstStyle/>
           <a:p>
-            <a:pPr/>
+            <a:pPr>
+              <a:defRPr>
+                <a:latin typeface="Franklin Gothic Book"/>
+                <a:ea typeface="Franklin Gothic Book"/>
+                <a:cs typeface="Franklin Gothic Book"/>
+                <a:sym typeface="Franklin Gothic Book"/>
+              </a:defRPr>
+            </a:pPr>
           </a:p>
         </p:txBody>
       </p:sp>
       <p:sp>
         <p:nvSpPr>
-          <p:cNvPr id="84" name="Rectangle 9"/>
+          <p:cNvPr id="88" name="Rectangle 9"/>
           <p:cNvSpPr/>
           <p:nvPr/>
         </p:nvSpPr>
         <p:spPr>
           <a:xfrm>
-            <a:off x="8042147" y="453642"/>
-            <a:ext cx="3703321" cy="98555"/>
+            <a:off x="8042147" y="453641"/>
+            <a:ext cx="3703321" cy="98556"/>
           </a:xfrm>
           <a:prstGeom prst="rect">
             <a:avLst/>
@@ -1848,23 +2061,30 @@
           </a:ln>
         </p:spPr>
         <p:txBody>
-          <a:bodyPr lIns="45719" rIns="45719"/>
+          <a:bodyPr lIns="45718" tIns="45718" rIns="45718" bIns="45718"/>
           <a:lstStyle/>
           <a:p>
-            <a:pPr/>
+            <a:pPr>
+              <a:defRPr>
+                <a:latin typeface="Franklin Gothic Book"/>
+                <a:ea typeface="Franklin Gothic Book"/>
+                <a:cs typeface="Franklin Gothic Book"/>
+                <a:sym typeface="Franklin Gothic Book"/>
+              </a:defRPr>
+            </a:pPr>
           </a:p>
         </p:txBody>
       </p:sp>
       <p:sp>
         <p:nvSpPr>
-          <p:cNvPr id="85" name="Rectangle 10"/>
+          <p:cNvPr id="89" name="Rectangle 10"/>
           <p:cNvSpPr/>
           <p:nvPr/>
         </p:nvSpPr>
         <p:spPr>
           <a:xfrm>
-            <a:off x="4241829" y="457199"/>
-            <a:ext cx="3703321" cy="91442"/>
+            <a:off x="4241829" y="457198"/>
+            <a:ext cx="3703321" cy="91443"/>
           </a:xfrm>
           <a:prstGeom prst="rect">
             <a:avLst/>
@@ -1877,16 +2097,23 @@
           </a:ln>
         </p:spPr>
         <p:txBody>
-          <a:bodyPr lIns="45719" rIns="45719"/>
+          <a:bodyPr lIns="45718" tIns="45718" rIns="45718" bIns="45718"/>
           <a:lstStyle/>
           <a:p>
-            <a:pPr/>
+            <a:pPr>
+              <a:defRPr>
+                <a:latin typeface="Franklin Gothic Book"/>
+                <a:ea typeface="Franklin Gothic Book"/>
+                <a:cs typeface="Franklin Gothic Book"/>
+                <a:sym typeface="Franklin Gothic Book"/>
+              </a:defRPr>
+            </a:pPr>
           </a:p>
         </p:txBody>
       </p:sp>
       <p:pic>
         <p:nvPicPr>
-          <p:cNvPr id="86" name="Picture 7" descr="Picture 7"/>
+          <p:cNvPr id="90" name="Picture 7" descr="Picture 7"/>
           <p:cNvPicPr>
             <a:picLocks noChangeAspect="1"/>
           </p:cNvPicPr>
@@ -1902,8 +2129,8 @@
         </p:blipFill>
         <p:spPr>
           <a:xfrm>
-            <a:off x="10485002" y="6437910"/>
-            <a:ext cx="1125806" cy="365127"/>
+            <a:off x="10485001" y="6437910"/>
+            <a:ext cx="1125807" cy="365128"/>
           </a:xfrm>
           <a:prstGeom prst="rect">
             <a:avLst/>
@@ -1915,7 +2142,7 @@
       </p:pic>
       <p:sp>
         <p:nvSpPr>
-          <p:cNvPr id="87" name="Slide Number"/>
+          <p:cNvPr id="91" name="Slide Number"/>
           <p:cNvSpPr txBox="1"/>
           <p:nvPr>
             <p:ph type="sldNum" sz="quarter" idx="2"/>
@@ -1923,8 +2150,8 @@
         </p:nvSpPr>
         <p:spPr>
           <a:xfrm>
-            <a:off x="11379568" y="6492506"/>
-            <a:ext cx="231242" cy="227941"/>
+            <a:off x="11379570" y="6492507"/>
+            <a:ext cx="231241" cy="227939"/>
           </a:xfrm>
           <a:prstGeom prst="rect">
             <a:avLst/>
@@ -1967,14 +2194,14 @@
       </p:grpSpPr>
       <p:sp>
         <p:nvSpPr>
-          <p:cNvPr id="94" name="Rectangle 8"/>
+          <p:cNvPr id="98" name="Rectangle 8"/>
           <p:cNvSpPr/>
           <p:nvPr/>
         </p:nvSpPr>
         <p:spPr>
           <a:xfrm>
             <a:off x="446533" y="457200"/>
-            <a:ext cx="3703322" cy="94997"/>
+            <a:ext cx="3703323" cy="94997"/>
           </a:xfrm>
           <a:prstGeom prst="rect">
             <a:avLst/>
@@ -1987,23 +2214,30 @@
           </a:ln>
         </p:spPr>
         <p:txBody>
-          <a:bodyPr lIns="45719" rIns="45719"/>
+          <a:bodyPr lIns="45718" tIns="45718" rIns="45718" bIns="45718"/>
           <a:lstStyle/>
           <a:p>
-            <a:pPr/>
+            <a:pPr>
+              <a:defRPr>
+                <a:latin typeface="Franklin Gothic Book"/>
+                <a:ea typeface="Franklin Gothic Book"/>
+                <a:cs typeface="Franklin Gothic Book"/>
+                <a:sym typeface="Franklin Gothic Book"/>
+              </a:defRPr>
+            </a:pPr>
           </a:p>
         </p:txBody>
       </p:sp>
       <p:sp>
         <p:nvSpPr>
-          <p:cNvPr id="95" name="Rectangle 9"/>
+          <p:cNvPr id="99" name="Rectangle 9"/>
           <p:cNvSpPr/>
           <p:nvPr/>
         </p:nvSpPr>
         <p:spPr>
           <a:xfrm>
-            <a:off x="8042147" y="453642"/>
-            <a:ext cx="3703321" cy="98555"/>
+            <a:off x="8042147" y="453641"/>
+            <a:ext cx="3703321" cy="98556"/>
           </a:xfrm>
           <a:prstGeom prst="rect">
             <a:avLst/>
@@ -2016,23 +2250,30 @@
           </a:ln>
         </p:spPr>
         <p:txBody>
-          <a:bodyPr lIns="45719" rIns="45719"/>
+          <a:bodyPr lIns="45718" tIns="45718" rIns="45718" bIns="45718"/>
           <a:lstStyle/>
           <a:p>
-            <a:pPr/>
+            <a:pPr>
+              <a:defRPr>
+                <a:latin typeface="Franklin Gothic Book"/>
+                <a:ea typeface="Franklin Gothic Book"/>
+                <a:cs typeface="Franklin Gothic Book"/>
+                <a:sym typeface="Franklin Gothic Book"/>
+              </a:defRPr>
+            </a:pPr>
           </a:p>
         </p:txBody>
       </p:sp>
       <p:sp>
         <p:nvSpPr>
-          <p:cNvPr id="96" name="Rectangle 10"/>
+          <p:cNvPr id="100" name="Rectangle 10"/>
           <p:cNvSpPr/>
           <p:nvPr/>
         </p:nvSpPr>
         <p:spPr>
           <a:xfrm>
-            <a:off x="4241829" y="457199"/>
-            <a:ext cx="3703321" cy="91442"/>
+            <a:off x="4241829" y="457198"/>
+            <a:ext cx="3703321" cy="91443"/>
           </a:xfrm>
           <a:prstGeom prst="rect">
             <a:avLst/>
@@ -2045,16 +2286,23 @@
           </a:ln>
         </p:spPr>
         <p:txBody>
-          <a:bodyPr lIns="45719" rIns="45719"/>
+          <a:bodyPr lIns="45718" tIns="45718" rIns="45718" bIns="45718"/>
           <a:lstStyle/>
           <a:p>
-            <a:pPr/>
+            <a:pPr>
+              <a:defRPr>
+                <a:latin typeface="Franklin Gothic Book"/>
+                <a:ea typeface="Franklin Gothic Book"/>
+                <a:cs typeface="Franklin Gothic Book"/>
+                <a:sym typeface="Franklin Gothic Book"/>
+              </a:defRPr>
+            </a:pPr>
           </a:p>
         </p:txBody>
       </p:sp>
       <p:pic>
         <p:nvPicPr>
-          <p:cNvPr id="97" name="Picture 7" descr="Picture 7"/>
+          <p:cNvPr id="101" name="Picture 7" descr="Picture 7"/>
           <p:cNvPicPr>
             <a:picLocks noChangeAspect="1"/>
           </p:cNvPicPr>
@@ -2070,8 +2318,8 @@
         </p:blipFill>
         <p:spPr>
           <a:xfrm>
-            <a:off x="10485002" y="6437910"/>
-            <a:ext cx="1125806" cy="365127"/>
+            <a:off x="10485001" y="6437910"/>
+            <a:ext cx="1125807" cy="365128"/>
           </a:xfrm>
           <a:prstGeom prst="rect">
             <a:avLst/>
@@ -2083,7 +2331,7 @@
       </p:pic>
       <p:sp>
         <p:nvSpPr>
-          <p:cNvPr id="98" name="Rectangle 8"/>
+          <p:cNvPr id="102" name="Rectangle 8"/>
           <p:cNvSpPr/>
           <p:nvPr/>
         </p:nvSpPr>
@@ -2103,16 +2351,23 @@
           </a:ln>
         </p:spPr>
         <p:txBody>
-          <a:bodyPr lIns="45719" rIns="45719"/>
+          <a:bodyPr lIns="45718" tIns="45718" rIns="45718" bIns="45718"/>
           <a:lstStyle/>
           <a:p>
-            <a:pPr/>
+            <a:pPr>
+              <a:defRPr>
+                <a:latin typeface="Franklin Gothic Book"/>
+                <a:ea typeface="Franklin Gothic Book"/>
+                <a:cs typeface="Franklin Gothic Book"/>
+                <a:sym typeface="Franklin Gothic Book"/>
+              </a:defRPr>
+            </a:pPr>
           </a:p>
         </p:txBody>
       </p:sp>
       <p:sp>
         <p:nvSpPr>
-          <p:cNvPr id="99" name="Title Text"/>
+          <p:cNvPr id="103" name="Title Text"/>
           <p:cNvSpPr txBox="1"/>
           <p:nvPr>
             <p:ph type="title"/>
@@ -2121,7 +2376,7 @@
         <p:spPr>
           <a:xfrm>
             <a:off x="767857" y="933450"/>
-            <a:ext cx="3031852" cy="1722420"/>
+            <a:ext cx="3031852" cy="1722421"/>
           </a:xfrm>
           <a:prstGeom prst="rect">
             <a:avLst/>
@@ -2148,7 +2403,7 @@
       </p:sp>
       <p:sp>
         <p:nvSpPr>
-          <p:cNvPr id="100" name="Body Level One…"/>
+          <p:cNvPr id="104" name="Body Level One…"/>
           <p:cNvSpPr txBox="1"/>
           <p:nvPr>
             <p:ph type="body" sz="half" idx="1"/>
@@ -2156,8 +2411,8 @@
         </p:nvSpPr>
         <p:spPr>
           <a:xfrm>
-            <a:off x="4900927" y="1179828"/>
-            <a:ext cx="6650992" cy="4658218"/>
+            <a:off x="4900926" y="1179827"/>
+            <a:ext cx="6650993" cy="4658219"/>
           </a:xfrm>
           <a:prstGeom prst="rect">
             <a:avLst/>
@@ -2173,14 +2428,14 @@
                 </a:solidFill>
               </a:defRPr>
             </a:lvl1pPr>
-            <a:lvl2pPr marL="663999" indent="-339999">
+            <a:lvl2pPr marL="663999" indent="-339998">
               <a:defRPr sz="2000">
                 <a:solidFill>
                   <a:srgbClr val="335B74"/>
                 </a:solidFill>
               </a:defRPr>
             </a:lvl2pPr>
-            <a:lvl3pPr marL="967500" indent="-337500">
+            <a:lvl3pPr marL="967499" indent="-337499">
               <a:defRPr sz="2000">
                 <a:solidFill>
                   <a:srgbClr val="335B74"/>
@@ -2236,7 +2491,7 @@
       </p:sp>
       <p:sp>
         <p:nvSpPr>
-          <p:cNvPr id="101" name="Text Placeholder 3"/>
+          <p:cNvPr id="105" name="Text Placeholder 3"/>
           <p:cNvSpPr/>
           <p:nvPr>
             <p:ph type="body" sz="quarter" idx="21"/>
@@ -2255,22 +2510,13 @@
           <a:bodyPr anchor="t"/>
           <a:lstStyle/>
           <a:p>
-            <a:pPr marL="0" indent="0">
-              <a:buClrTx/>
-              <a:buSzTx/>
-              <a:buNone/>
-              <a:defRPr sz="1600">
-                <a:solidFill>
-                  <a:srgbClr val="FFFFFF"/>
-                </a:solidFill>
-              </a:defRPr>
-            </a:pPr>
+            <a:pPr/>
           </a:p>
         </p:txBody>
       </p:sp>
       <p:sp>
         <p:nvSpPr>
-          <p:cNvPr id="102" name="Slide Number"/>
+          <p:cNvPr id="106" name="Slide Number"/>
           <p:cNvSpPr txBox="1"/>
           <p:nvPr>
             <p:ph type="sldNum" sz="quarter" idx="2"/>
@@ -2278,8 +2524,8 @@
         </p:nvSpPr>
         <p:spPr>
           <a:xfrm>
-            <a:off x="11379568" y="6525508"/>
-            <a:ext cx="231242" cy="227941"/>
+            <a:off x="11379570" y="6525509"/>
+            <a:ext cx="231241" cy="227939"/>
           </a:xfrm>
           <a:prstGeom prst="rect">
             <a:avLst/>
@@ -2322,14 +2568,14 @@
       </p:grpSpPr>
       <p:sp>
         <p:nvSpPr>
-          <p:cNvPr id="109" name="Rectangle 8"/>
+          <p:cNvPr id="113" name="Rectangle 8"/>
           <p:cNvSpPr/>
           <p:nvPr/>
         </p:nvSpPr>
         <p:spPr>
           <a:xfrm>
             <a:off x="446533" y="457200"/>
-            <a:ext cx="3703322" cy="94997"/>
+            <a:ext cx="3703323" cy="94997"/>
           </a:xfrm>
           <a:prstGeom prst="rect">
             <a:avLst/>
@@ -2342,23 +2588,30 @@
           </a:ln>
         </p:spPr>
         <p:txBody>
-          <a:bodyPr lIns="45719" rIns="45719"/>
+          <a:bodyPr lIns="45718" tIns="45718" rIns="45718" bIns="45718"/>
           <a:lstStyle/>
           <a:p>
-            <a:pPr/>
+            <a:pPr>
+              <a:defRPr>
+                <a:latin typeface="Franklin Gothic Book"/>
+                <a:ea typeface="Franklin Gothic Book"/>
+                <a:cs typeface="Franklin Gothic Book"/>
+                <a:sym typeface="Franklin Gothic Book"/>
+              </a:defRPr>
+            </a:pPr>
           </a:p>
         </p:txBody>
       </p:sp>
       <p:sp>
         <p:nvSpPr>
-          <p:cNvPr id="110" name="Rectangle 9"/>
+          <p:cNvPr id="114" name="Rectangle 9"/>
           <p:cNvSpPr/>
           <p:nvPr/>
         </p:nvSpPr>
         <p:spPr>
           <a:xfrm>
-            <a:off x="8042147" y="453642"/>
-            <a:ext cx="3703321" cy="98555"/>
+            <a:off x="8042147" y="453641"/>
+            <a:ext cx="3703321" cy="98556"/>
           </a:xfrm>
           <a:prstGeom prst="rect">
             <a:avLst/>
@@ -2371,23 +2624,30 @@
           </a:ln>
         </p:spPr>
         <p:txBody>
-          <a:bodyPr lIns="45719" rIns="45719"/>
+          <a:bodyPr lIns="45718" tIns="45718" rIns="45718" bIns="45718"/>
           <a:lstStyle/>
           <a:p>
-            <a:pPr/>
+            <a:pPr>
+              <a:defRPr>
+                <a:latin typeface="Franklin Gothic Book"/>
+                <a:ea typeface="Franklin Gothic Book"/>
+                <a:cs typeface="Franklin Gothic Book"/>
+                <a:sym typeface="Franklin Gothic Book"/>
+              </a:defRPr>
+            </a:pPr>
           </a:p>
         </p:txBody>
       </p:sp>
       <p:sp>
         <p:nvSpPr>
-          <p:cNvPr id="111" name="Rectangle 10"/>
+          <p:cNvPr id="115" name="Rectangle 10"/>
           <p:cNvSpPr/>
           <p:nvPr/>
         </p:nvSpPr>
         <p:spPr>
           <a:xfrm>
-            <a:off x="4241829" y="457199"/>
-            <a:ext cx="3703321" cy="91442"/>
+            <a:off x="4241829" y="457198"/>
+            <a:ext cx="3703321" cy="91443"/>
           </a:xfrm>
           <a:prstGeom prst="rect">
             <a:avLst/>
@@ -2400,16 +2660,23 @@
           </a:ln>
         </p:spPr>
         <p:txBody>
-          <a:bodyPr lIns="45719" rIns="45719"/>
+          <a:bodyPr lIns="45718" tIns="45718" rIns="45718" bIns="45718"/>
           <a:lstStyle/>
           <a:p>
-            <a:pPr/>
+            <a:pPr>
+              <a:defRPr>
+                <a:latin typeface="Franklin Gothic Book"/>
+                <a:ea typeface="Franklin Gothic Book"/>
+                <a:cs typeface="Franklin Gothic Book"/>
+                <a:sym typeface="Franklin Gothic Book"/>
+              </a:defRPr>
+            </a:pPr>
           </a:p>
         </p:txBody>
       </p:sp>
       <p:pic>
         <p:nvPicPr>
-          <p:cNvPr id="112" name="Picture 7" descr="Picture 7"/>
+          <p:cNvPr id="116" name="Picture 7" descr="Picture 7"/>
           <p:cNvPicPr>
             <a:picLocks noChangeAspect="1"/>
           </p:cNvPicPr>
@@ -2425,8 +2692,8 @@
         </p:blipFill>
         <p:spPr>
           <a:xfrm>
-            <a:off x="10485002" y="6437910"/>
-            <a:ext cx="1125806" cy="365127"/>
+            <a:off x="10485001" y="6437910"/>
+            <a:ext cx="1125807" cy="365128"/>
           </a:xfrm>
           <a:prstGeom prst="rect">
             <a:avLst/>
@@ -2438,7 +2705,7 @@
       </p:pic>
       <p:sp>
         <p:nvSpPr>
-          <p:cNvPr id="113" name="Title Text"/>
+          <p:cNvPr id="117" name="Title Text"/>
           <p:cNvSpPr txBox="1"/>
           <p:nvPr>
             <p:ph type="title"/>
@@ -2447,7 +2714,7 @@
         <p:spPr>
           <a:xfrm>
             <a:off x="581193" y="4693389"/>
-            <a:ext cx="11029616" cy="566739"/>
+            <a:ext cx="11029616" cy="566740"/>
           </a:xfrm>
           <a:prstGeom prst="rect">
             <a:avLst/>
@@ -2470,7 +2737,7 @@
       </p:sp>
       <p:sp>
         <p:nvSpPr>
-          <p:cNvPr id="114" name="Picture Placeholder 2"/>
+          <p:cNvPr id="118" name="Picture Placeholder 2"/>
           <p:cNvSpPr/>
           <p:nvPr>
             <p:ph type="pic" idx="21"/>
@@ -2478,15 +2745,15 @@
         </p:nvSpPr>
         <p:spPr>
           <a:xfrm>
-            <a:off x="447816" y="641350"/>
-            <a:ext cx="11290860" cy="3651249"/>
+            <a:off x="447815" y="641350"/>
+            <a:ext cx="11290861" cy="3651249"/>
           </a:xfrm>
           <a:prstGeom prst="rect">
             <a:avLst/>
           </a:prstGeom>
         </p:spPr>
         <p:txBody>
-          <a:bodyPr lIns="91439" rIns="91439" anchor="t">
+          <a:bodyPr lIns="91439" tIns="45719" rIns="91439" bIns="45719" anchor="t">
             <a:noAutofit/>
           </a:bodyPr>
           <a:lstStyle/>
@@ -2497,7 +2764,7 @@
       </p:sp>
       <p:sp>
         <p:nvSpPr>
-          <p:cNvPr id="115" name="Body Level One…"/>
+          <p:cNvPr id="119" name="Body Level One…"/>
           <p:cNvSpPr txBox="1"/>
           <p:nvPr>
             <p:ph type="body" sz="quarter" idx="1"/>
@@ -2505,8 +2772,8 @@
         </p:nvSpPr>
         <p:spPr>
           <a:xfrm>
-            <a:off x="581191" y="5260126"/>
-            <a:ext cx="11029618" cy="998149"/>
+            <a:off x="581190" y="5260125"/>
+            <a:ext cx="11029620" cy="998150"/>
           </a:xfrm>
           <a:prstGeom prst="rect">
             <a:avLst/>
@@ -2521,25 +2788,25 @@
               <a:buNone/>
               <a:defRPr sz="1600"/>
             </a:lvl1pPr>
-            <a:lvl2pPr marL="0" indent="457200">
+            <a:lvl2pPr marL="0" indent="0">
               <a:buClrTx/>
               <a:buSzTx/>
               <a:buNone/>
               <a:defRPr sz="1600"/>
             </a:lvl2pPr>
-            <a:lvl3pPr marL="0" indent="914400">
+            <a:lvl3pPr marL="0" indent="0">
               <a:buClrTx/>
               <a:buSzTx/>
               <a:buNone/>
               <a:defRPr sz="1600"/>
             </a:lvl3pPr>
-            <a:lvl4pPr marL="0" indent="1371600">
+            <a:lvl4pPr marL="0" indent="0">
               <a:buClrTx/>
               <a:buSzTx/>
               <a:buNone/>
               <a:defRPr sz="1600"/>
             </a:lvl4pPr>
-            <a:lvl5pPr marL="0" indent="1828800">
+            <a:lvl5pPr marL="0" indent="0">
               <a:buClrTx/>
               <a:buSzTx/>
               <a:buNone/>
@@ -2580,7 +2847,7 @@
       </p:sp>
       <p:sp>
         <p:nvSpPr>
-          <p:cNvPr id="116" name="Slide Number"/>
+          <p:cNvPr id="120" name="Slide Number"/>
           <p:cNvSpPr txBox="1"/>
           <p:nvPr>
             <p:ph type="sldNum" sz="quarter" idx="2"/>
@@ -2588,8 +2855,8 @@
         </p:nvSpPr>
         <p:spPr>
           <a:xfrm>
-            <a:off x="11379568" y="6492506"/>
-            <a:ext cx="231242" cy="227941"/>
+            <a:off x="11379570" y="6492507"/>
+            <a:ext cx="231241" cy="227939"/>
           </a:xfrm>
           <a:prstGeom prst="rect">
             <a:avLst/>
@@ -2646,7 +2913,7 @@
         <p:spPr>
           <a:xfrm>
             <a:off x="446533" y="457200"/>
-            <a:ext cx="3703322" cy="94997"/>
+            <a:ext cx="3703323" cy="94997"/>
           </a:xfrm>
           <a:prstGeom prst="rect">
             <a:avLst/>
@@ -2659,10 +2926,17 @@
           </a:ln>
         </p:spPr>
         <p:txBody>
-          <a:bodyPr lIns="45719" rIns="45719"/>
+          <a:bodyPr lIns="45718" tIns="45718" rIns="45718" bIns="45718"/>
           <a:lstStyle/>
           <a:p>
-            <a:pPr/>
+            <a:pPr>
+              <a:defRPr>
+                <a:latin typeface="Franklin Gothic Book"/>
+                <a:ea typeface="Franklin Gothic Book"/>
+                <a:cs typeface="Franklin Gothic Book"/>
+                <a:sym typeface="Franklin Gothic Book"/>
+              </a:defRPr>
+            </a:pPr>
           </a:p>
         </p:txBody>
       </p:sp>
@@ -2674,8 +2948,8 @@
         </p:nvSpPr>
         <p:spPr>
           <a:xfrm>
-            <a:off x="8042147" y="453642"/>
-            <a:ext cx="3703321" cy="98555"/>
+            <a:off x="8042147" y="453641"/>
+            <a:ext cx="3703321" cy="98556"/>
           </a:xfrm>
           <a:prstGeom prst="rect">
             <a:avLst/>
@@ -2688,10 +2962,17 @@
           </a:ln>
         </p:spPr>
         <p:txBody>
-          <a:bodyPr lIns="45719" rIns="45719"/>
+          <a:bodyPr lIns="45718" tIns="45718" rIns="45718" bIns="45718"/>
           <a:lstStyle/>
           <a:p>
-            <a:pPr/>
+            <a:pPr>
+              <a:defRPr>
+                <a:latin typeface="Franklin Gothic Book"/>
+                <a:ea typeface="Franklin Gothic Book"/>
+                <a:cs typeface="Franklin Gothic Book"/>
+                <a:sym typeface="Franklin Gothic Book"/>
+              </a:defRPr>
+            </a:pPr>
           </a:p>
         </p:txBody>
       </p:sp>
@@ -2703,8 +2984,8 @@
         </p:nvSpPr>
         <p:spPr>
           <a:xfrm>
-            <a:off x="4241829" y="457199"/>
-            <a:ext cx="3703321" cy="91442"/>
+            <a:off x="4241829" y="457198"/>
+            <a:ext cx="3703321" cy="91443"/>
           </a:xfrm>
           <a:prstGeom prst="rect">
             <a:avLst/>
@@ -2717,10 +2998,17 @@
           </a:ln>
         </p:spPr>
         <p:txBody>
-          <a:bodyPr lIns="45719" rIns="45719"/>
+          <a:bodyPr lIns="45718" tIns="45718" rIns="45718" bIns="45718"/>
           <a:lstStyle/>
           <a:p>
-            <a:pPr/>
+            <a:pPr>
+              <a:defRPr>
+                <a:latin typeface="Franklin Gothic Book"/>
+                <a:ea typeface="Franklin Gothic Book"/>
+                <a:cs typeface="Franklin Gothic Book"/>
+                <a:sym typeface="Franklin Gothic Book"/>
+              </a:defRPr>
+            </a:pPr>
           </a:p>
         </p:txBody>
       </p:sp>
@@ -2742,8 +3030,8 @@
         </p:blipFill>
         <p:spPr>
           <a:xfrm>
-            <a:off x="10485002" y="6437910"/>
-            <a:ext cx="1125806" cy="365127"/>
+            <a:off x="10485001" y="6437910"/>
+            <a:ext cx="1125807" cy="365128"/>
           </a:xfrm>
           <a:prstGeom prst="rect">
             <a:avLst/>
@@ -2763,8 +3051,8 @@
         </p:nvSpPr>
         <p:spPr>
           <a:xfrm>
-            <a:off x="581191" y="702155"/>
-            <a:ext cx="11029617" cy="530298"/>
+            <a:off x="581190" y="702155"/>
+            <a:ext cx="11029618" cy="530299"/>
           </a:xfrm>
           <a:prstGeom prst="rect">
             <a:avLst/>
@@ -2779,7 +3067,7 @@
           </a:extLst>
         </p:spPr>
         <p:txBody>
-          <a:bodyPr lIns="45719" rIns="45719" anchor="b">
+          <a:bodyPr lIns="45718" tIns="45718" rIns="45718" bIns="45718" anchor="b">
             <a:normAutofit fontScale="100000" lnSpcReduction="0"/>
           </a:bodyPr>
           <a:lstStyle/>
@@ -2801,8 +3089,8 @@
         </p:nvSpPr>
         <p:spPr>
           <a:xfrm>
-            <a:off x="581191" y="1302025"/>
-            <a:ext cx="11029617" cy="4673325"/>
+            <a:off x="581190" y="1302024"/>
+            <a:ext cx="11029618" cy="4673326"/>
           </a:xfrm>
           <a:prstGeom prst="rect">
             <a:avLst/>
@@ -2817,7 +3105,7 @@
           </a:extLst>
         </p:spPr>
         <p:txBody>
-          <a:bodyPr lIns="45719" rIns="45719" anchor="ctr">
+          <a:bodyPr lIns="45718" tIns="45718" rIns="45718" bIns="45718" anchor="ctr">
             <a:normAutofit fontScale="100000" lnSpcReduction="0"/>
           </a:bodyPr>
           <a:lstStyle/>
@@ -2863,8 +3151,8 @@
         </p:nvSpPr>
         <p:spPr>
           <a:xfrm>
-            <a:off x="5892800" y="6172200"/>
-            <a:ext cx="2844800" cy="368301"/>
+            <a:off x="8506360" y="6242381"/>
+            <a:ext cx="231241" cy="227939"/>
           </a:xfrm>
           <a:prstGeom prst="rect">
             <a:avLst/>
@@ -2874,7 +3162,7 @@
           </a:ln>
         </p:spPr>
         <p:txBody>
-          <a:bodyPr wrap="none" lIns="45719" rIns="45719" anchor="ctr">
+          <a:bodyPr wrap="none" lIns="45718" tIns="45718" rIns="45718" bIns="45718" anchor="ctr">
             <a:spAutoFit/>
           </a:bodyPr>
           <a:lstStyle>
@@ -2883,6 +3171,10 @@
                 <a:solidFill>
                   <a:srgbClr val="404040"/>
                 </a:solidFill>
+                <a:latin typeface="Franklin Gothic Book"/>
+                <a:ea typeface="Franklin Gothic Book"/>
+                <a:cs typeface="Franklin Gothic Book"/>
+                <a:sym typeface="Franklin Gothic Book"/>
               </a:defRPr>
             </a:lvl1pPr>
           </a:lstStyle>
@@ -3173,7 +3465,7 @@
           <a:sym typeface="Franklin Gothic Book"/>
         </a:defRPr>
       </a:lvl1pPr>
-      <a:lvl2pPr marL="695571" marR="0" indent="-371571" algn="l" defTabSz="457200" rtl="0" latinLnBrk="0">
+      <a:lvl2pPr marL="695571" marR="0" indent="-371570" algn="l" defTabSz="457200" rtl="0" latinLnBrk="0">
         <a:lnSpc>
           <a:spcPct val="110000"/>
         </a:lnSpc>
@@ -3229,7 +3521,7 @@
           <a:sym typeface="Franklin Gothic Book"/>
         </a:defRPr>
       </a:lvl3pPr>
-      <a:lvl4pPr marL="1369636" marR="0" indent="-361636" algn="l" defTabSz="457200" rtl="0" latinLnBrk="0">
+      <a:lvl4pPr marL="1369635" marR="0" indent="-361635" algn="l" defTabSz="457200" rtl="0" latinLnBrk="0">
         <a:lnSpc>
           <a:spcPct val="110000"/>
         </a:lnSpc>
@@ -3257,7 +3549,7 @@
           <a:sym typeface="Franklin Gothic Book"/>
         </a:defRPr>
       </a:lvl4pPr>
-      <a:lvl5pPr marL="1729636" marR="0" indent="-361636" algn="l" defTabSz="457200" rtl="0" latinLnBrk="0">
+      <a:lvl5pPr marL="1729636" marR="0" indent="-361635" algn="l" defTabSz="457200" rtl="0" latinLnBrk="0">
         <a:lnSpc>
           <a:spcPct val="110000"/>
         </a:lnSpc>
@@ -3285,7 +3577,7 @@
           <a:sym typeface="Franklin Gothic Book"/>
         </a:defRPr>
       </a:lvl5pPr>
-      <a:lvl6pPr marL="1995249" marR="0" indent="-323850" algn="l" defTabSz="457200" rtl="0" latinLnBrk="0">
+      <a:lvl6pPr marL="1995248" marR="0" indent="-323850" algn="l" defTabSz="457200" rtl="0" latinLnBrk="0">
         <a:lnSpc>
           <a:spcPct val="110000"/>
         </a:lnSpc>
@@ -3341,7 +3633,7 @@
           <a:sym typeface="Franklin Gothic Book"/>
         </a:defRPr>
       </a:lvl7pPr>
-      <a:lvl8pPr marL="2595249" marR="0" indent="-323850" algn="l" defTabSz="457200" rtl="0" latinLnBrk="0">
+      <a:lvl8pPr marL="2595248" marR="0" indent="-323850" algn="l" defTabSz="457200" rtl="0" latinLnBrk="0">
         <a:lnSpc>
           <a:spcPct val="110000"/>
         </a:lnSpc>
@@ -3425,7 +3717,7 @@
           <a:sym typeface="Franklin Gothic Book"/>
         </a:defRPr>
       </a:lvl1pPr>
-      <a:lvl2pPr marL="0" marR="0" indent="457200" algn="r" defTabSz="914400" rtl="0" latinLnBrk="0">
+      <a:lvl2pPr marL="0" marR="0" indent="0" algn="r" defTabSz="914400" rtl="0" latinLnBrk="0">
         <a:lnSpc>
           <a:spcPct val="100000"/>
         </a:lnSpc>
@@ -3451,7 +3743,7 @@
           <a:sym typeface="Franklin Gothic Book"/>
         </a:defRPr>
       </a:lvl2pPr>
-      <a:lvl3pPr marL="0" marR="0" indent="914400" algn="r" defTabSz="914400" rtl="0" latinLnBrk="0">
+      <a:lvl3pPr marL="0" marR="0" indent="0" algn="r" defTabSz="914400" rtl="0" latinLnBrk="0">
         <a:lnSpc>
           <a:spcPct val="100000"/>
         </a:lnSpc>
@@ -3477,7 +3769,7 @@
           <a:sym typeface="Franklin Gothic Book"/>
         </a:defRPr>
       </a:lvl3pPr>
-      <a:lvl4pPr marL="0" marR="0" indent="1371600" algn="r" defTabSz="914400" rtl="0" latinLnBrk="0">
+      <a:lvl4pPr marL="0" marR="0" indent="0" algn="r" defTabSz="914400" rtl="0" latinLnBrk="0">
         <a:lnSpc>
           <a:spcPct val="100000"/>
         </a:lnSpc>
@@ -3503,7 +3795,7 @@
           <a:sym typeface="Franklin Gothic Book"/>
         </a:defRPr>
       </a:lvl4pPr>
-      <a:lvl5pPr marL="0" marR="0" indent="1828800" algn="r" defTabSz="914400" rtl="0" latinLnBrk="0">
+      <a:lvl5pPr marL="0" marR="0" indent="0" algn="r" defTabSz="914400" rtl="0" latinLnBrk="0">
         <a:lnSpc>
           <a:spcPct val="100000"/>
         </a:lnSpc>
@@ -3529,7 +3821,7 @@
           <a:sym typeface="Franklin Gothic Book"/>
         </a:defRPr>
       </a:lvl5pPr>
-      <a:lvl6pPr marL="0" marR="0" indent="2286000" algn="r" defTabSz="914400" rtl="0" latinLnBrk="0">
+      <a:lvl6pPr marL="0" marR="0" indent="0" algn="r" defTabSz="914400" rtl="0" latinLnBrk="0">
         <a:lnSpc>
           <a:spcPct val="100000"/>
         </a:lnSpc>
@@ -3555,7 +3847,7 @@
           <a:sym typeface="Franklin Gothic Book"/>
         </a:defRPr>
       </a:lvl6pPr>
-      <a:lvl7pPr marL="0" marR="0" indent="2743200" algn="r" defTabSz="914400" rtl="0" latinLnBrk="0">
+      <a:lvl7pPr marL="0" marR="0" indent="0" algn="r" defTabSz="914400" rtl="0" latinLnBrk="0">
         <a:lnSpc>
           <a:spcPct val="100000"/>
         </a:lnSpc>
@@ -3581,7 +3873,7 @@
           <a:sym typeface="Franklin Gothic Book"/>
         </a:defRPr>
       </a:lvl7pPr>
-      <a:lvl8pPr marL="0" marR="0" indent="3200400" algn="r" defTabSz="914400" rtl="0" latinLnBrk="0">
+      <a:lvl8pPr marL="0" marR="0" indent="0" algn="r" defTabSz="914400" rtl="0" latinLnBrk="0">
         <a:lnSpc>
           <a:spcPct val="100000"/>
         </a:lnSpc>
@@ -3607,7 +3899,7 @@
           <a:sym typeface="Franklin Gothic Book"/>
         </a:defRPr>
       </a:lvl8pPr>
-      <a:lvl9pPr marL="0" marR="0" indent="3657600" algn="r" defTabSz="914400" rtl="0" latinLnBrk="0">
+      <a:lvl9pPr marL="0" marR="0" indent="0" algn="r" defTabSz="914400" rtl="0" latinLnBrk="0">
         <a:lnSpc>
           <a:spcPct val="100000"/>
         </a:lnSpc>
@@ -3657,7 +3949,7 @@
       </p:grpSpPr>
       <p:sp>
         <p:nvSpPr>
-          <p:cNvPr id="125" name="Title 1"/>
+          <p:cNvPr id="129" name="Title 1"/>
           <p:cNvSpPr txBox="1"/>
           <p:nvPr>
             <p:ph type="ctrTitle"/>
@@ -3665,8 +3957,8 @@
         </p:nvSpPr>
         <p:spPr>
           <a:xfrm>
-            <a:off x="1359108" y="1821634"/>
-            <a:ext cx="9144001" cy="977779"/>
+            <a:off x="1359108" y="1821633"/>
+            <a:ext cx="9144001" cy="977780"/>
           </a:xfrm>
           <a:prstGeom prst="rect">
             <a:avLst/>
@@ -3676,7 +3968,7 @@
           <a:bodyPr/>
           <a:lstStyle>
             <a:lvl1pPr algn="ctr" defTabSz="406908">
-              <a:defRPr sz="3204">
+              <a:defRPr sz="3200">
                 <a:solidFill>
                   <a:schemeClr val="accent1"/>
                 </a:solidFill>
@@ -3697,14 +3989,14 @@
       </p:sp>
       <p:sp>
         <p:nvSpPr>
-          <p:cNvPr id="126" name="TextBox 2"/>
+          <p:cNvPr id="130" name="TextBox 2"/>
           <p:cNvSpPr txBox="1"/>
           <p:nvPr/>
         </p:nvSpPr>
         <p:spPr>
           <a:xfrm>
-            <a:off x="-284062" y="1034320"/>
-            <a:ext cx="12635208" cy="548046"/>
+            <a:off x="-284062" y="1034321"/>
+            <a:ext cx="12635208" cy="548043"/>
           </a:xfrm>
           <a:prstGeom prst="rect">
             <a:avLst/>
@@ -3719,7 +4011,7 @@
           </a:extLst>
         </p:spPr>
         <p:txBody>
-          <a:bodyPr lIns="45719" rIns="45719">
+          <a:bodyPr lIns="45718" tIns="45718" rIns="45718" bIns="45718">
             <a:spAutoFit/>
           </a:bodyPr>
           <a:lstStyle>
@@ -3745,14 +4037,14 @@
       </p:sp>
       <p:sp>
         <p:nvSpPr>
-          <p:cNvPr id="127" name="TextBox 3"/>
+          <p:cNvPr id="131" name="TextBox 3"/>
           <p:cNvSpPr txBox="1"/>
           <p:nvPr/>
         </p:nvSpPr>
         <p:spPr>
           <a:xfrm>
-            <a:off x="3163249" y="4586365"/>
-            <a:ext cx="7888743" cy="1251531"/>
+            <a:off x="3163248" y="4586366"/>
+            <a:ext cx="7888745" cy="1251529"/>
           </a:xfrm>
           <a:prstGeom prst="rect">
             <a:avLst/>
@@ -3767,7 +4059,7 @@
           </a:extLst>
         </p:spPr>
         <p:txBody>
-          <a:bodyPr lIns="45719" rIns="45719">
+          <a:bodyPr lIns="45718" tIns="45718" rIns="45718" bIns="45718">
             <a:spAutoFit/>
           </a:bodyPr>
           <a:lstStyle/>
@@ -3871,7 +4163,7 @@
       </p:grpSpPr>
       <p:sp>
         <p:nvSpPr>
-          <p:cNvPr id="129" name="Title 1"/>
+          <p:cNvPr id="133" name="Title 1"/>
           <p:cNvSpPr txBox="1"/>
           <p:nvPr>
             <p:ph type="title"/>
@@ -3911,7 +4203,7 @@
       </p:sp>
       <p:sp>
         <p:nvSpPr>
-          <p:cNvPr id="130" name="Content Placeholder 2"/>
+          <p:cNvPr id="134" name="Content Placeholder 2"/>
           <p:cNvSpPr txBox="1"/>
           <p:nvPr>
             <p:ph type="body" idx="1"/>
@@ -3919,8 +4211,8 @@
         </p:nvSpPr>
         <p:spPr>
           <a:xfrm>
-            <a:off x="838199" y="1618938"/>
-            <a:ext cx="11019022" cy="5239063"/>
+            <a:off x="838199" y="1618937"/>
+            <a:ext cx="11019023" cy="5239065"/>
           </a:xfrm>
           <a:prstGeom prst="rect">
             <a:avLst/>
@@ -3932,7 +4224,6 @@
           <a:p>
             <a:pPr marL="0" indent="0">
               <a:buSzTx/>
-              <a:buFont typeface="Wingdings 2"/>
               <a:buNone/>
               <a:defRPr b="1" sz="2000">
                 <a:latin typeface="Arial"/>
@@ -3946,7 +4237,7 @@
             </a:r>
           </a:p>
           <a:p>
-            <a:pPr marL="305434" indent="-305434">
+            <a:pPr marL="305433" indent="-305433">
               <a:defRPr b="1" sz="2000">
                 <a:latin typeface="Arial"/>
                 <a:ea typeface="Arial"/>
@@ -3963,7 +4254,7 @@
             </a:r>
           </a:p>
           <a:p>
-            <a:pPr marL="305434" indent="-305434">
+            <a:pPr marL="305433" indent="-305433">
               <a:defRPr b="1" sz="2000">
                 <a:latin typeface="Arial"/>
                 <a:ea typeface="Arial"/>
@@ -3980,7 +4271,7 @@
             </a:r>
           </a:p>
           <a:p>
-            <a:pPr marL="305434" indent="-305434">
+            <a:pPr marL="305433" indent="-305433">
               <a:defRPr b="1" sz="2000">
                 <a:latin typeface="Arial"/>
                 <a:ea typeface="Arial"/>
@@ -3993,7 +4284,7 @@
             </a:r>
           </a:p>
           <a:p>
-            <a:pPr marL="305434" indent="-305434">
+            <a:pPr marL="305433" indent="-305433">
               <a:defRPr b="1" sz="2000">
                 <a:latin typeface="Arial"/>
                 <a:ea typeface="Arial"/>
@@ -4006,7 +4297,7 @@
             </a:r>
           </a:p>
           <a:p>
-            <a:pPr marL="305434" indent="-305434">
+            <a:pPr marL="305433" indent="-305433">
               <a:defRPr b="1" sz="2000">
                 <a:latin typeface="Arial"/>
                 <a:ea typeface="Arial"/>
@@ -4019,7 +4310,7 @@
             </a:r>
           </a:p>
           <a:p>
-            <a:pPr marL="305434" indent="-305434">
+            <a:pPr marL="305433" indent="-305433">
               <a:defRPr b="1" sz="2000">
                 <a:latin typeface="Arial"/>
                 <a:ea typeface="Arial"/>
@@ -4032,7 +4323,7 @@
             </a:r>
           </a:p>
           <a:p>
-            <a:pPr marL="305434" indent="-305434">
+            <a:pPr marL="305433" indent="-305433">
               <a:defRPr b="1" sz="2000">
                 <a:latin typeface="Arial"/>
                 <a:ea typeface="Arial"/>
@@ -4074,7 +4365,7 @@
       </p:grpSpPr>
       <p:sp>
         <p:nvSpPr>
-          <p:cNvPr id="132" name="Title 4"/>
+          <p:cNvPr id="136" name="Title 4"/>
           <p:cNvSpPr txBox="1"/>
           <p:nvPr>
             <p:ph type="title"/>
@@ -4083,7 +4374,7 @@
         <p:spPr>
           <a:xfrm>
             <a:off x="581192" y="702155"/>
-            <a:ext cx="11029616" cy="530297"/>
+            <a:ext cx="11029616" cy="530298"/>
           </a:xfrm>
           <a:prstGeom prst="rect">
             <a:avLst/>
@@ -4092,8 +4383,8 @@
         <p:txBody>
           <a:bodyPr/>
           <a:lstStyle>
-            <a:lvl1pPr defTabSz="365760">
-              <a:defRPr sz="3120">
+            <a:lvl1pPr defTabSz="365759">
+              <a:defRPr sz="3100">
                 <a:solidFill>
                   <a:schemeClr val="accent1"/>
                 </a:solidFill>
@@ -4114,7 +4405,7 @@
       </p:sp>
       <p:sp>
         <p:nvSpPr>
-          <p:cNvPr id="133" name="Rectangle 2"/>
+          <p:cNvPr id="137" name="Rectangle 2"/>
           <p:cNvSpPr txBox="1"/>
           <p:nvPr>
             <p:ph type="body" idx="1"/>
@@ -4122,8 +4413,8 @@
         </p:nvSpPr>
         <p:spPr>
           <a:xfrm>
-            <a:off x="581191" y="1302025"/>
-            <a:ext cx="11029617" cy="4673325"/>
+            <a:off x="581190" y="1302025"/>
+            <a:ext cx="11029619" cy="4673325"/>
           </a:xfrm>
           <a:prstGeom prst="rect">
             <a:avLst/>
@@ -4189,7 +4480,7 @@
       </p:grpSpPr>
       <p:sp>
         <p:nvSpPr>
-          <p:cNvPr id="135" name="Title 4"/>
+          <p:cNvPr id="139" name="Title 4"/>
           <p:cNvSpPr txBox="1"/>
           <p:nvPr>
             <p:ph type="title"/>
@@ -4197,8 +4488,8 @@
         </p:nvSpPr>
         <p:spPr>
           <a:xfrm>
-            <a:off x="581192" y="662571"/>
-            <a:ext cx="11029616" cy="530298"/>
+            <a:off x="581192" y="662570"/>
+            <a:ext cx="11029616" cy="530299"/>
           </a:xfrm>
           <a:prstGeom prst="rect">
             <a:avLst/>
@@ -4207,8 +4498,8 @@
         <p:txBody>
           <a:bodyPr/>
           <a:lstStyle>
-            <a:lvl1pPr defTabSz="365760">
-              <a:defRPr sz="3120">
+            <a:lvl1pPr defTabSz="365759">
+              <a:defRPr sz="3100">
                 <a:solidFill>
                   <a:schemeClr val="accent1"/>
                 </a:solidFill>
@@ -4229,7 +4520,7 @@
       </p:sp>
       <p:sp>
         <p:nvSpPr>
-          <p:cNvPr id="136" name="Rectangle 1"/>
+          <p:cNvPr id="140" name="Rectangle 1"/>
           <p:cNvSpPr txBox="1"/>
           <p:nvPr>
             <p:ph type="body" sz="quarter" idx="1"/>
@@ -4238,7 +4529,7 @@
         <p:spPr>
           <a:xfrm>
             <a:off x="440892" y="1303243"/>
-            <a:ext cx="11310216" cy="1401714"/>
+            <a:ext cx="11310216" cy="1401715"/>
           </a:xfrm>
           <a:prstGeom prst="rect">
             <a:avLst/>
@@ -4326,7 +4617,7 @@
       </p:sp>
       <p:pic>
         <p:nvPicPr>
-          <p:cNvPr id="137" name="generated-image (2).png" descr="generated-image (2).png"/>
+          <p:cNvPr id="141" name="generated-image (2).png" descr="generated-image (2).png"/>
           <p:cNvPicPr>
             <a:picLocks noChangeAspect="1"/>
           </p:cNvPicPr>
@@ -4343,7 +4634,7 @@
         <p:spPr>
           <a:xfrm>
             <a:off x="3076723" y="2815331"/>
-            <a:ext cx="6038554" cy="4025702"/>
+            <a:ext cx="6038554" cy="4025703"/>
           </a:xfrm>
           <a:prstGeom prst="rect">
             <a:avLst/>
@@ -4381,7 +4672,7 @@
       </p:grpSpPr>
       <p:sp>
         <p:nvSpPr>
-          <p:cNvPr id="139" name="Title 4"/>
+          <p:cNvPr id="143" name="Title 4"/>
           <p:cNvSpPr txBox="1"/>
           <p:nvPr>
             <p:ph type="title"/>
@@ -4390,7 +4681,7 @@
         <p:spPr>
           <a:xfrm>
             <a:off x="581192" y="702155"/>
-            <a:ext cx="11029616" cy="530297"/>
+            <a:ext cx="11029616" cy="530298"/>
           </a:xfrm>
           <a:prstGeom prst="rect">
             <a:avLst/>
@@ -4399,8 +4690,8 @@
         <p:txBody>
           <a:bodyPr/>
           <a:lstStyle>
-            <a:lvl1pPr defTabSz="365760">
-              <a:defRPr sz="3120">
+            <a:lvl1pPr defTabSz="365759">
+              <a:defRPr sz="3100">
                 <a:solidFill>
                   <a:schemeClr val="accent1"/>
                 </a:solidFill>
@@ -4421,7 +4712,7 @@
       </p:sp>
       <p:sp>
         <p:nvSpPr>
-          <p:cNvPr id="140" name="Rectangle 1"/>
+          <p:cNvPr id="144" name="Rectangle 1"/>
           <p:cNvSpPr txBox="1"/>
           <p:nvPr>
             <p:ph type="body" sz="half" idx="1"/>
@@ -4430,7 +4721,7 @@
         <p:spPr>
           <a:xfrm>
             <a:off x="581191" y="1302025"/>
-            <a:ext cx="6866258" cy="4673325"/>
+            <a:ext cx="6866257" cy="4673325"/>
           </a:xfrm>
           <a:prstGeom prst="rect">
             <a:avLst/>
@@ -4718,7 +5009,7 @@
       </p:sp>
       <p:pic>
         <p:nvPicPr>
-          <p:cNvPr id="141" name="generated-image (3).png" descr="generated-image (3).png"/>
+          <p:cNvPr id="145" name="generated-image (3).png" descr="generated-image (3).png"/>
           <p:cNvPicPr>
             <a:picLocks noChangeAspect="1"/>
           </p:cNvPicPr>
@@ -4734,8 +5025,8 @@
         </p:blipFill>
         <p:spPr>
           <a:xfrm>
-            <a:off x="7651786" y="910481"/>
-            <a:ext cx="3516833" cy="5275249"/>
+            <a:off x="7651785" y="910480"/>
+            <a:ext cx="3516834" cy="5275250"/>
           </a:xfrm>
           <a:prstGeom prst="rect">
             <a:avLst/>
@@ -4773,7 +5064,7 @@
       </p:grpSpPr>
       <p:sp>
         <p:nvSpPr>
-          <p:cNvPr id="143" name="Title 4"/>
+          <p:cNvPr id="147" name="Title 4"/>
           <p:cNvSpPr txBox="1"/>
           <p:nvPr>
             <p:ph type="title"/>
@@ -4782,7 +5073,7 @@
         <p:spPr>
           <a:xfrm>
             <a:off x="581192" y="702155"/>
-            <a:ext cx="11029616" cy="530297"/>
+            <a:ext cx="11029616" cy="530298"/>
           </a:xfrm>
           <a:prstGeom prst="rect">
             <a:avLst/>
@@ -4791,8 +5082,8 @@
         <p:txBody>
           <a:bodyPr/>
           <a:lstStyle>
-            <a:lvl1pPr defTabSz="365760">
-              <a:defRPr sz="3120">
+            <a:lvl1pPr defTabSz="365759">
+              <a:defRPr sz="3100">
                 <a:solidFill>
                   <a:schemeClr val="accent1"/>
                 </a:solidFill>
@@ -4813,7 +5104,7 @@
       </p:sp>
       <p:sp>
         <p:nvSpPr>
-          <p:cNvPr id="144" name="Content Placeholder 1"/>
+          <p:cNvPr id="148" name="Content Placeholder 1"/>
           <p:cNvSpPr txBox="1"/>
           <p:nvPr>
             <p:ph type="body" sz="half" idx="1"/>
@@ -4821,8 +5112,8 @@
         </p:nvSpPr>
         <p:spPr>
           <a:xfrm>
-            <a:off x="581191" y="1302025"/>
-            <a:ext cx="11029617" cy="2257823"/>
+            <a:off x="581190" y="1302024"/>
+            <a:ext cx="11029619" cy="2257825"/>
           </a:xfrm>
           <a:prstGeom prst="rect">
             <a:avLst/>
@@ -4832,35 +5123,32 @@
           <a:bodyPr/>
           <a:lstStyle/>
           <a:p>
-            <a:pPr marL="271837" indent="-271837" defTabSz="406908">
+            <a:pPr marL="271836" indent="-271836" defTabSz="406908">
               <a:spcBef>
                 <a:spcPts val="500"/>
               </a:spcBef>
-              <a:defRPr b="1" sz="2492"/>
+              <a:defRPr b="1" sz="2400"/>
             </a:pPr>
             <a:r>
-              <a:t>The system allows users to create, manage, and track their tasks. It provides an interactive interface with a progress tracker and theme customization, improving productivity and personal time management.</a:t>
-            </a:r>
-            <a:r>
-              <a:t>Attach your Github link</a:t>
-            </a:r>
-          </a:p>
-          <a:p>
-            <a:pPr marL="271837" indent="-271837" defTabSz="406908">
+              <a:t>The system allows users to create, manage, and track their tasks. It provides an interactive interface with a progress tracker and theme customization, improving productivity and personal time management.Attach your Github link</a:t>
+            </a:r>
+          </a:p>
+          <a:p>
+            <a:pPr marL="271836" indent="-271836" defTabSz="406908">
               <a:spcBef>
                 <a:spcPts val="500"/>
               </a:spcBef>
-              <a:defRPr sz="2492"/>
+              <a:defRPr sz="2400"/>
             </a:pPr>
             <a:r>
-              <a:t>https://github.com/</a:t>
+              <a:t>https://github.com/rishika174/Task-Manager-with-Progress-Tracker</a:t>
             </a:r>
           </a:p>
         </p:txBody>
       </p:sp>
       <p:pic>
         <p:nvPicPr>
-          <p:cNvPr id="145" name="Screenshot 2025-09-20 at 1.02.29 AM.png" descr="Screenshot 2025-09-20 at 1.02.29 AM.png"/>
+          <p:cNvPr id="149" name="Screenshot 2025-09-20 at 1.02.29 AM.png" descr="Screenshot 2025-09-20 at 1.02.29 AM.png"/>
           <p:cNvPicPr>
             <a:picLocks noChangeAspect="1"/>
           </p:cNvPicPr>
@@ -4877,8 +5165,8 @@
         </p:blipFill>
         <p:spPr>
           <a:xfrm>
-            <a:off x="512309" y="3834719"/>
-            <a:ext cx="5403094" cy="2464024"/>
+            <a:off x="512308" y="3834719"/>
+            <a:ext cx="5403095" cy="2464025"/>
           </a:xfrm>
           <a:prstGeom prst="rect">
             <a:avLst/>
@@ -4890,7 +5178,7 @@
       </p:pic>
       <p:pic>
         <p:nvPicPr>
-          <p:cNvPr id="146" name="Screenshot 2025-09-20 at 1.02.39 AM.png" descr="Screenshot 2025-09-20 at 1.02.39 AM.png"/>
+          <p:cNvPr id="150" name="Screenshot 2025-09-20 at 1.02.39 AM.png" descr="Screenshot 2025-09-20 at 1.02.39 AM.png"/>
           <p:cNvPicPr>
             <a:picLocks noChangeAspect="1"/>
           </p:cNvPicPr>
@@ -4907,8 +5195,8 @@
         </p:blipFill>
         <p:spPr>
           <a:xfrm>
-            <a:off x="6148688" y="3869968"/>
-            <a:ext cx="5408437" cy="2464201"/>
+            <a:off x="6148687" y="3869967"/>
+            <a:ext cx="5408438" cy="2464203"/>
           </a:xfrm>
           <a:prstGeom prst="rect">
             <a:avLst/>
@@ -4946,7 +5234,7 @@
       </p:grpSpPr>
       <p:sp>
         <p:nvSpPr>
-          <p:cNvPr id="148" name="Title 4"/>
+          <p:cNvPr id="152" name="Title 4"/>
           <p:cNvSpPr txBox="1"/>
           <p:nvPr>
             <p:ph type="title"/>
@@ -4955,7 +5243,7 @@
         <p:spPr>
           <a:xfrm>
             <a:off x="581192" y="702155"/>
-            <a:ext cx="11029616" cy="530297"/>
+            <a:ext cx="11029616" cy="530298"/>
           </a:xfrm>
           <a:prstGeom prst="rect">
             <a:avLst/>
@@ -4964,8 +5252,8 @@
         <p:txBody>
           <a:bodyPr/>
           <a:lstStyle>
-            <a:lvl1pPr defTabSz="365760">
-              <a:defRPr sz="3120">
+            <a:lvl1pPr defTabSz="365759">
+              <a:defRPr sz="3100">
                 <a:solidFill>
                   <a:schemeClr val="accent1"/>
                 </a:solidFill>
@@ -4986,7 +5274,7 @@
       </p:sp>
       <p:sp>
         <p:nvSpPr>
-          <p:cNvPr id="149" name="Rectangle 2"/>
+          <p:cNvPr id="153" name="Rectangle 2"/>
           <p:cNvSpPr txBox="1"/>
           <p:nvPr>
             <p:ph type="body" idx="1"/>
@@ -4994,8 +5282,8 @@
         </p:nvSpPr>
         <p:spPr>
           <a:xfrm>
-            <a:off x="581191" y="1302025"/>
-            <a:ext cx="11029617" cy="4673325"/>
+            <a:off x="581190" y="1302025"/>
+            <a:ext cx="11029619" cy="4673325"/>
           </a:xfrm>
           <a:prstGeom prst="rect">
             <a:avLst/>
@@ -5061,7 +5349,7 @@
       </p:grpSpPr>
       <p:sp>
         <p:nvSpPr>
-          <p:cNvPr id="151" name="Title 4"/>
+          <p:cNvPr id="155" name="Title 4"/>
           <p:cNvSpPr txBox="1"/>
           <p:nvPr>
             <p:ph type="title"/>
@@ -5070,7 +5358,7 @@
         <p:spPr>
           <a:xfrm>
             <a:off x="581192" y="702155"/>
-            <a:ext cx="11029616" cy="530297"/>
+            <a:ext cx="11029616" cy="530298"/>
           </a:xfrm>
           <a:prstGeom prst="rect">
             <a:avLst/>
@@ -5079,8 +5367,8 @@
         <p:txBody>
           <a:bodyPr/>
           <a:lstStyle>
-            <a:lvl1pPr defTabSz="365760">
-              <a:defRPr sz="3120">
+            <a:lvl1pPr defTabSz="365759">
+              <a:defRPr sz="3100">
                 <a:solidFill>
                   <a:schemeClr val="accent1"/>
                 </a:solidFill>
@@ -5101,7 +5389,7 @@
       </p:sp>
       <p:sp>
         <p:nvSpPr>
-          <p:cNvPr id="152" name="Content Placeholder 1"/>
+          <p:cNvPr id="156" name="Content Placeholder 1"/>
           <p:cNvSpPr txBox="1"/>
           <p:nvPr>
             <p:ph type="body" idx="1"/>
@@ -5109,8 +5397,8 @@
         </p:nvSpPr>
         <p:spPr>
           <a:xfrm>
-            <a:off x="581191" y="1302025"/>
-            <a:ext cx="11029617" cy="4673325"/>
+            <a:off x="581190" y="1302025"/>
+            <a:ext cx="11029619" cy="4673325"/>
           </a:xfrm>
           <a:prstGeom prst="rect">
             <a:avLst/>
@@ -5120,7 +5408,7 @@
           <a:bodyPr/>
           <a:lstStyle/>
           <a:p>
-            <a:pPr marL="305434" indent="-305434">
+            <a:pPr marL="305433" indent="-305433">
               <a:defRPr b="1" sz="2800">
                 <a:solidFill>
                   <a:srgbClr val="0F0F0F"/>
@@ -5132,7 +5420,7 @@
             </a:r>
           </a:p>
           <a:p>
-            <a:pPr marL="305434" indent="-305434">
+            <a:pPr marL="305433" indent="-305433">
               <a:defRPr b="1" sz="2800">
                 <a:solidFill>
                   <a:srgbClr val="0F0F0F"/>
@@ -5141,7 +5429,7 @@
             </a:pPr>
           </a:p>
           <a:p>
-            <a:pPr marL="305434" indent="-305434">
+            <a:pPr marL="305433" indent="-305433">
               <a:defRPr b="1" sz="2800">
                 <a:solidFill>
                   <a:srgbClr val="0F0F0F"/>
@@ -5153,7 +5441,7 @@
             </a:r>
           </a:p>
           <a:p>
-            <a:pPr marL="305434" indent="-305434">
+            <a:pPr marL="305433" indent="-305433">
               <a:defRPr b="1" sz="2800">
                 <a:solidFill>
                   <a:srgbClr val="0F0F0F"/>
@@ -5162,7 +5450,7 @@
             </a:pPr>
           </a:p>
           <a:p>
-            <a:pPr marL="305434" indent="-305434">
+            <a:pPr marL="305433" indent="-305433">
               <a:defRPr b="1" sz="2800">
                 <a:solidFill>
                   <a:srgbClr val="0F0F0F"/>
@@ -5174,7 +5462,7 @@
             </a:r>
           </a:p>
           <a:p>
-            <a:pPr marL="305434" indent="-305434">
+            <a:pPr marL="305433" indent="-305433">
               <a:defRPr b="1" sz="2800">
                 <a:solidFill>
                   <a:srgbClr val="0F0F0F"/>
@@ -5183,7 +5471,7 @@
             </a:pPr>
           </a:p>
           <a:p>
-            <a:pPr marL="305434" indent="-305434">
+            <a:pPr marL="305433" indent="-305433">
               <a:defRPr b="1" sz="2800">
                 <a:solidFill>
                   <a:srgbClr val="0F0F0F"/>
@@ -5224,7 +5512,7 @@
       </p:grpSpPr>
       <p:sp>
         <p:nvSpPr>
-          <p:cNvPr id="154" name="Title 4"/>
+          <p:cNvPr id="158" name="Title 4"/>
           <p:cNvSpPr txBox="1"/>
           <p:nvPr>
             <p:ph type="title"/>
@@ -5314,14 +5602,14 @@
     </a:clrScheme>
     <a:fontScheme name="DividendVTI">
       <a:majorFont>
+        <a:latin typeface="Helvetica"/>
+        <a:ea typeface="Helvetica"/>
+        <a:cs typeface="Helvetica"/>
+      </a:majorFont>
+      <a:minorFont>
         <a:latin typeface="Calibri"/>
         <a:ea typeface="Calibri"/>
         <a:cs typeface="Calibri"/>
-      </a:majorFont>
-      <a:minorFont>
-        <a:latin typeface="Helvetica"/>
-        <a:ea typeface="Helvetica"/>
-        <a:cs typeface="Helvetica"/>
       </a:minorFont>
     </a:fontScheme>
     <a:fmtScheme name="DividendVTI">
@@ -5415,7 +5703,13 @@
           </a:effectLst>
         </a:effectStyle>
         <a:effectStyle>
-          <a:effectLst/>
+          <a:effectLst>
+            <a:outerShdw sx="100000" sy="100000" kx="0" ky="0" algn="b" rotWithShape="0" blurRad="38100" dist="25400" dir="5400000">
+              <a:srgbClr val="000000">
+                <a:alpha val="55000"/>
+              </a:srgbClr>
+            </a:outerShdw>
+          </a:effectLst>
         </a:effectStyle>
       </a:effectStyleLst>
       <a:bgFillStyleLst>
@@ -5476,7 +5770,7 @@
         <a:solidFill>
           <a:srgbClr val="FFFFFF"/>
         </a:solidFill>
-        <a:ln w="22225" cap="rnd">
+        <a:ln w="25400" cap="flat">
           <a:solidFill>
             <a:schemeClr val="accent1"/>
           </a:solidFill>
@@ -5492,7 +5786,7 @@
         </a:effectLst>
         <a:sp3d/>
       </a:spPr>
-      <a:bodyPr rot="0" spcFirstLastPara="1" vertOverflow="overflow" horzOverflow="overflow" vert="horz" wrap="square" lIns="45719" tIns="45719" rIns="45719" bIns="45719" numCol="1" spcCol="38100" rtlCol="0" anchor="ctr" upright="0">
+      <a:bodyPr rot="0" spcFirstLastPara="1" vertOverflow="overflow" horzOverflow="overflow" vert="horz" wrap="square" lIns="45718" tIns="45718" rIns="45718" bIns="45718" numCol="1" spcCol="38100" rtlCol="0" anchor="ctr" upright="0">
         <a:spAutoFit/>
       </a:bodyPr>
       <a:lstStyle>
@@ -5520,10 +5814,10 @@
             </a:solidFill>
             <a:effectLst/>
             <a:uFillTx/>
-            <a:latin typeface="Franklin Gothic Book"/>
-            <a:ea typeface="Franklin Gothic Book"/>
-            <a:cs typeface="Franklin Gothic Book"/>
-            <a:sym typeface="Franklin Gothic Book"/>
+            <a:latin typeface="+mj-lt"/>
+            <a:ea typeface="+mj-ea"/>
+            <a:cs typeface="+mj-cs"/>
+            <a:sym typeface="Helvetica"/>
           </a:defRPr>
         </a:defPPr>
         <a:lvl1pPr marL="0" marR="0" indent="0" algn="l" defTabSz="914400" rtl="0" fontAlgn="auto" latinLnBrk="1" hangingPunct="0">
@@ -5771,14 +6065,20 @@
     <a:lnDef>
       <a:spPr>
         <a:noFill/>
-        <a:ln w="22225" cap="rnd">
+        <a:ln w="25400" cap="flat">
           <a:solidFill>
             <a:schemeClr val="accent1"/>
           </a:solidFill>
           <a:prstDash val="solid"/>
           <a:round/>
         </a:ln>
-        <a:effectLst/>
+        <a:effectLst>
+          <a:outerShdw sx="100000" sy="100000" kx="0" ky="0" algn="b" rotWithShape="0" blurRad="38100" dist="25400" dir="5400000">
+            <a:srgbClr val="000000">
+              <a:alpha val="55000"/>
+            </a:srgbClr>
+          </a:outerShdw>
+        </a:effectLst>
         <a:sp3d/>
       </a:spPr>
       <a:bodyPr rot="0" spcFirstLastPara="1" vertOverflow="overflow" horzOverflow="overflow" vert="horz" wrap="square" lIns="91439" tIns="45719" rIns="91439" bIns="45719" numCol="1" spcCol="38100" rtlCol="0" anchor="t" upright="0">
@@ -6063,7 +6363,7 @@
         <a:effectLst/>
         <a:sp3d/>
       </a:spPr>
-      <a:bodyPr rot="0" spcFirstLastPara="1" vertOverflow="overflow" horzOverflow="overflow" vert="horz" wrap="square" lIns="45719" tIns="45719" rIns="45719" bIns="45719" numCol="1" spcCol="38100" rtlCol="0" anchor="t" upright="0">
+      <a:bodyPr rot="0" spcFirstLastPara="1" vertOverflow="overflow" horzOverflow="overflow" vert="horz" wrap="square" lIns="45718" tIns="45718" rIns="45718" bIns="45718" numCol="1" spcCol="38100" rtlCol="0" anchor="t" upright="0">
         <a:spAutoFit/>
       </a:bodyPr>
       <a:lstStyle>
@@ -6091,10 +6391,10 @@
             </a:solidFill>
             <a:effectLst/>
             <a:uFillTx/>
-            <a:latin typeface="Franklin Gothic Book"/>
-            <a:ea typeface="Franklin Gothic Book"/>
-            <a:cs typeface="Franklin Gothic Book"/>
-            <a:sym typeface="Franklin Gothic Book"/>
+            <a:latin typeface="+mj-lt"/>
+            <a:ea typeface="+mj-ea"/>
+            <a:cs typeface="+mj-cs"/>
+            <a:sym typeface="Helvetica"/>
           </a:defRPr>
         </a:defPPr>
         <a:lvl1pPr marL="0" marR="0" indent="0" algn="l" defTabSz="914400" rtl="0" fontAlgn="auto" latinLnBrk="1" hangingPunct="0">
@@ -6386,14 +6686,14 @@
     </a:clrScheme>
     <a:fontScheme name="DividendVTI">
       <a:majorFont>
+        <a:latin typeface="Helvetica"/>
+        <a:ea typeface="Helvetica"/>
+        <a:cs typeface="Helvetica"/>
+      </a:majorFont>
+      <a:minorFont>
         <a:latin typeface="Calibri"/>
         <a:ea typeface="Calibri"/>
         <a:cs typeface="Calibri"/>
-      </a:majorFont>
-      <a:minorFont>
-        <a:latin typeface="Helvetica"/>
-        <a:ea typeface="Helvetica"/>
-        <a:cs typeface="Helvetica"/>
       </a:minorFont>
     </a:fontScheme>
     <a:fmtScheme name="DividendVTI">
@@ -6487,7 +6787,13 @@
           </a:effectLst>
         </a:effectStyle>
         <a:effectStyle>
-          <a:effectLst/>
+          <a:effectLst>
+            <a:outerShdw sx="100000" sy="100000" kx="0" ky="0" algn="b" rotWithShape="0" blurRad="38100" dist="25400" dir="5400000">
+              <a:srgbClr val="000000">
+                <a:alpha val="55000"/>
+              </a:srgbClr>
+            </a:outerShdw>
+          </a:effectLst>
         </a:effectStyle>
       </a:effectStyleLst>
       <a:bgFillStyleLst>
@@ -6548,7 +6854,7 @@
         <a:solidFill>
           <a:srgbClr val="FFFFFF"/>
         </a:solidFill>
-        <a:ln w="22225" cap="rnd">
+        <a:ln w="25400" cap="flat">
           <a:solidFill>
             <a:schemeClr val="accent1"/>
           </a:solidFill>
@@ -6564,7 +6870,7 @@
         </a:effectLst>
         <a:sp3d/>
       </a:spPr>
-      <a:bodyPr rot="0" spcFirstLastPara="1" vertOverflow="overflow" horzOverflow="overflow" vert="horz" wrap="square" lIns="45719" tIns="45719" rIns="45719" bIns="45719" numCol="1" spcCol="38100" rtlCol="0" anchor="ctr" upright="0">
+      <a:bodyPr rot="0" spcFirstLastPara="1" vertOverflow="overflow" horzOverflow="overflow" vert="horz" wrap="square" lIns="45718" tIns="45718" rIns="45718" bIns="45718" numCol="1" spcCol="38100" rtlCol="0" anchor="ctr" upright="0">
         <a:spAutoFit/>
       </a:bodyPr>
       <a:lstStyle>
@@ -6592,10 +6898,10 @@
             </a:solidFill>
             <a:effectLst/>
             <a:uFillTx/>
-            <a:latin typeface="Franklin Gothic Book"/>
-            <a:ea typeface="Franklin Gothic Book"/>
-            <a:cs typeface="Franklin Gothic Book"/>
-            <a:sym typeface="Franklin Gothic Book"/>
+            <a:latin typeface="+mj-lt"/>
+            <a:ea typeface="+mj-ea"/>
+            <a:cs typeface="+mj-cs"/>
+            <a:sym typeface="Helvetica"/>
           </a:defRPr>
         </a:defPPr>
         <a:lvl1pPr marL="0" marR="0" indent="0" algn="l" defTabSz="914400" rtl="0" fontAlgn="auto" latinLnBrk="1" hangingPunct="0">
@@ -6843,14 +7149,20 @@
     <a:lnDef>
       <a:spPr>
         <a:noFill/>
-        <a:ln w="22225" cap="rnd">
+        <a:ln w="25400" cap="flat">
           <a:solidFill>
             <a:schemeClr val="accent1"/>
           </a:solidFill>
           <a:prstDash val="solid"/>
           <a:round/>
         </a:ln>
-        <a:effectLst/>
+        <a:effectLst>
+          <a:outerShdw sx="100000" sy="100000" kx="0" ky="0" algn="b" rotWithShape="0" blurRad="38100" dist="25400" dir="5400000">
+            <a:srgbClr val="000000">
+              <a:alpha val="55000"/>
+            </a:srgbClr>
+          </a:outerShdw>
+        </a:effectLst>
         <a:sp3d/>
       </a:spPr>
       <a:bodyPr rot="0" spcFirstLastPara="1" vertOverflow="overflow" horzOverflow="overflow" vert="horz" wrap="square" lIns="91439" tIns="45719" rIns="91439" bIns="45719" numCol="1" spcCol="38100" rtlCol="0" anchor="t" upright="0">
@@ -7135,7 +7447,7 @@
         <a:effectLst/>
         <a:sp3d/>
       </a:spPr>
-      <a:bodyPr rot="0" spcFirstLastPara="1" vertOverflow="overflow" horzOverflow="overflow" vert="horz" wrap="square" lIns="45719" tIns="45719" rIns="45719" bIns="45719" numCol="1" spcCol="38100" rtlCol="0" anchor="t" upright="0">
+      <a:bodyPr rot="0" spcFirstLastPara="1" vertOverflow="overflow" horzOverflow="overflow" vert="horz" wrap="square" lIns="45718" tIns="45718" rIns="45718" bIns="45718" numCol="1" spcCol="38100" rtlCol="0" anchor="t" upright="0">
         <a:spAutoFit/>
       </a:bodyPr>
       <a:lstStyle>
@@ -7163,10 +7475,10 @@
             </a:solidFill>
             <a:effectLst/>
             <a:uFillTx/>
-            <a:latin typeface="Franklin Gothic Book"/>
-            <a:ea typeface="Franklin Gothic Book"/>
-            <a:cs typeface="Franklin Gothic Book"/>
-            <a:sym typeface="Franklin Gothic Book"/>
+            <a:latin typeface="+mj-lt"/>
+            <a:ea typeface="+mj-ea"/>
+            <a:cs typeface="+mj-cs"/>
+            <a:sym typeface="Helvetica"/>
           </a:defRPr>
         </a:defPPr>
         <a:lvl1pPr marL="0" marR="0" indent="0" algn="l" defTabSz="914400" rtl="0" fontAlgn="auto" latinLnBrk="1" hangingPunct="0">
